--- a/manual/配線方法説明/AI-CHIP配線概略図.pptx
+++ b/manual/配線方法説明/AI-CHIP配線概略図.pptx
@@ -7,6 +7,8 @@
   <p:sldIdLst>
     <p:sldId id="256" r:id="rId2"/>
     <p:sldId id="257" r:id="rId3"/>
+    <p:sldId id="258" r:id="rId4"/>
+    <p:sldId id="259" r:id="rId5"/>
   </p:sldIdLst>
   <p:sldSz cx="12192000" cy="6858000"/>
   <p:notesSz cx="6858000" cy="9144000"/>
@@ -105,6 +107,11 @@
       </a:defRPr>
     </a:lvl9pPr>
   </p:defaultTextStyle>
+  <p:extLst>
+    <p:ext uri="{EFAFB233-063F-42B5-8137-9DF3F51BA10A}">
+      <p15:sldGuideLst xmlns:p15="http://schemas.microsoft.com/office/powerpoint/2012/main"/>
+    </p:ext>
+  </p:extLst>
 </p:presentation>
 </file>
 
@@ -239,7 +246,7 @@
           <a:p>
             <a:fld id="{C1F6520D-2A16-475B-9E22-40A499E4FAF8}" type="datetimeFigureOut">
               <a:rPr kumimoji="1" lang="ja-JP" altLang="en-US" smtClean="0"/>
-              <a:t>2015/11/12</a:t>
+              <a:t>2015/11/19</a:t>
             </a:fld>
             <a:endParaRPr kumimoji="1" lang="ja-JP" altLang="en-US"/>
           </a:p>
@@ -441,7 +448,7 @@
           <a:p>
             <a:fld id="{C1F6520D-2A16-475B-9E22-40A499E4FAF8}" type="datetimeFigureOut">
               <a:rPr kumimoji="1" lang="ja-JP" altLang="en-US" smtClean="0"/>
-              <a:t>2015/11/12</a:t>
+              <a:t>2015/11/19</a:t>
             </a:fld>
             <a:endParaRPr kumimoji="1" lang="ja-JP" altLang="en-US"/>
           </a:p>
@@ -653,7 +660,7 @@
           <a:p>
             <a:fld id="{C1F6520D-2A16-475B-9E22-40A499E4FAF8}" type="datetimeFigureOut">
               <a:rPr kumimoji="1" lang="ja-JP" altLang="en-US" smtClean="0"/>
-              <a:t>2015/11/12</a:t>
+              <a:t>2015/11/19</a:t>
             </a:fld>
             <a:endParaRPr kumimoji="1" lang="ja-JP" altLang="en-US"/>
           </a:p>
@@ -855,7 +862,7 @@
           <a:p>
             <a:fld id="{C1F6520D-2A16-475B-9E22-40A499E4FAF8}" type="datetimeFigureOut">
               <a:rPr kumimoji="1" lang="ja-JP" altLang="en-US" smtClean="0"/>
-              <a:t>2015/11/12</a:t>
+              <a:t>2015/11/19</a:t>
             </a:fld>
             <a:endParaRPr kumimoji="1" lang="ja-JP" altLang="en-US"/>
           </a:p>
@@ -1101,7 +1108,7 @@
           <a:p>
             <a:fld id="{C1F6520D-2A16-475B-9E22-40A499E4FAF8}" type="datetimeFigureOut">
               <a:rPr kumimoji="1" lang="ja-JP" altLang="en-US" smtClean="0"/>
-              <a:t>2015/11/12</a:t>
+              <a:t>2015/11/19</a:t>
             </a:fld>
             <a:endParaRPr kumimoji="1" lang="ja-JP" altLang="en-US"/>
           </a:p>
@@ -1397,7 +1404,7 @@
           <a:p>
             <a:fld id="{C1F6520D-2A16-475B-9E22-40A499E4FAF8}" type="datetimeFigureOut">
               <a:rPr kumimoji="1" lang="ja-JP" altLang="en-US" smtClean="0"/>
-              <a:t>2015/11/12</a:t>
+              <a:t>2015/11/19</a:t>
             </a:fld>
             <a:endParaRPr kumimoji="1" lang="ja-JP" altLang="en-US"/>
           </a:p>
@@ -1828,7 +1835,7 @@
           <a:p>
             <a:fld id="{C1F6520D-2A16-475B-9E22-40A499E4FAF8}" type="datetimeFigureOut">
               <a:rPr kumimoji="1" lang="ja-JP" altLang="en-US" smtClean="0"/>
-              <a:t>2015/11/12</a:t>
+              <a:t>2015/11/19</a:t>
             </a:fld>
             <a:endParaRPr kumimoji="1" lang="ja-JP" altLang="en-US"/>
           </a:p>
@@ -1946,7 +1953,7 @@
           <a:p>
             <a:fld id="{C1F6520D-2A16-475B-9E22-40A499E4FAF8}" type="datetimeFigureOut">
               <a:rPr kumimoji="1" lang="ja-JP" altLang="en-US" smtClean="0"/>
-              <a:t>2015/11/12</a:t>
+              <a:t>2015/11/19</a:t>
             </a:fld>
             <a:endParaRPr kumimoji="1" lang="ja-JP" altLang="en-US"/>
           </a:p>
@@ -2041,7 +2048,7 @@
           <a:p>
             <a:fld id="{C1F6520D-2A16-475B-9E22-40A499E4FAF8}" type="datetimeFigureOut">
               <a:rPr kumimoji="1" lang="ja-JP" altLang="en-US" smtClean="0"/>
-              <a:t>2015/11/12</a:t>
+              <a:t>2015/11/19</a:t>
             </a:fld>
             <a:endParaRPr kumimoji="1" lang="ja-JP" altLang="en-US"/>
           </a:p>
@@ -2350,7 +2357,7 @@
           <a:p>
             <a:fld id="{C1F6520D-2A16-475B-9E22-40A499E4FAF8}" type="datetimeFigureOut">
               <a:rPr kumimoji="1" lang="ja-JP" altLang="en-US" smtClean="0"/>
-              <a:t>2015/11/12</a:t>
+              <a:t>2015/11/19</a:t>
             </a:fld>
             <a:endParaRPr kumimoji="1" lang="ja-JP" altLang="en-US"/>
           </a:p>
@@ -2603,7 +2610,7 @@
           <a:p>
             <a:fld id="{C1F6520D-2A16-475B-9E22-40A499E4FAF8}" type="datetimeFigureOut">
               <a:rPr kumimoji="1" lang="ja-JP" altLang="en-US" smtClean="0"/>
-              <a:t>2015/11/12</a:t>
+              <a:t>2015/11/19</a:t>
             </a:fld>
             <a:endParaRPr kumimoji="1" lang="ja-JP" altLang="en-US"/>
           </a:p>
@@ -2848,7 +2855,7 @@
           <a:p>
             <a:fld id="{C1F6520D-2A16-475B-9E22-40A499E4FAF8}" type="datetimeFigureOut">
               <a:rPr kumimoji="1" lang="ja-JP" altLang="en-US" smtClean="0"/>
-              <a:t>2015/11/12</a:t>
+              <a:t>2015/11/19</a:t>
             </a:fld>
             <a:endParaRPr kumimoji="1" lang="ja-JP" altLang="en-US"/>
           </a:p>
@@ -4869,7 +4876,7 @@
         </p:nvGrpSpPr>
         <p:grpSpPr>
           <a:xfrm>
-            <a:off x="-118626" y="-745137"/>
+            <a:off x="0" y="-711271"/>
             <a:ext cx="11650893" cy="8632607"/>
             <a:chOff x="-118626" y="-745137"/>
             <a:chExt cx="11650893" cy="8632607"/>
@@ -6543,6 +6550,1765 @@
 </p:sld>
 </file>
 
+<file path=ppt/slides/slide3.xml><?xml version="1.0" encoding="utf-8"?>
+<p:sld xmlns:a="http://schemas.openxmlformats.org/drawingml/2006/main" xmlns:r="http://schemas.openxmlformats.org/officeDocument/2006/relationships" xmlns:p="http://schemas.openxmlformats.org/presentationml/2006/main">
+  <p:cSld>
+    <p:spTree>
+      <p:nvGrpSpPr>
+        <p:cNvPr id="1" name=""/>
+        <p:cNvGrpSpPr/>
+        <p:nvPr/>
+      </p:nvGrpSpPr>
+      <p:grpSpPr>
+        <a:xfrm>
+          <a:off x="0" y="0"/>
+          <a:ext cx="0" cy="0"/>
+          <a:chOff x="0" y="0"/>
+          <a:chExt cx="0" cy="0"/>
+        </a:xfrm>
+      </p:grpSpPr>
+      <p:grpSp>
+        <p:nvGrpSpPr>
+          <p:cNvPr id="2" name="グループ化 1"/>
+          <p:cNvGrpSpPr/>
+          <p:nvPr/>
+        </p:nvGrpSpPr>
+        <p:grpSpPr>
+          <a:xfrm>
+            <a:off x="-118626" y="-745137"/>
+            <a:ext cx="11650893" cy="8632607"/>
+            <a:chOff x="-118626" y="-745137"/>
+            <a:chExt cx="11650893" cy="8632607"/>
+          </a:xfrm>
+        </p:grpSpPr>
+        <p:grpSp>
+          <p:nvGrpSpPr>
+            <p:cNvPr id="45" name="グループ化 44"/>
+            <p:cNvGrpSpPr/>
+            <p:nvPr/>
+          </p:nvGrpSpPr>
+          <p:grpSpPr>
+            <a:xfrm>
+              <a:off x="1800463" y="781384"/>
+              <a:ext cx="7708900" cy="5499100"/>
+              <a:chOff x="1800463" y="781384"/>
+              <a:chExt cx="7708900" cy="5499100"/>
+            </a:xfrm>
+          </p:grpSpPr>
+          <p:grpSp>
+            <p:nvGrpSpPr>
+              <p:cNvPr id="5" name="グループ化 4"/>
+              <p:cNvGrpSpPr/>
+              <p:nvPr/>
+            </p:nvGrpSpPr>
+            <p:grpSpPr>
+              <a:xfrm>
+                <a:off x="1800463" y="781384"/>
+                <a:ext cx="7708900" cy="5499100"/>
+                <a:chOff x="1303158" y="520700"/>
+                <a:chExt cx="7708900" cy="5499100"/>
+              </a:xfrm>
+            </p:grpSpPr>
+            <p:grpSp>
+              <p:nvGrpSpPr>
+                <p:cNvPr id="6" name="グループ化 5"/>
+                <p:cNvGrpSpPr/>
+                <p:nvPr/>
+              </p:nvGrpSpPr>
+              <p:grpSpPr>
+                <a:xfrm>
+                  <a:off x="1303158" y="520700"/>
+                  <a:ext cx="7708900" cy="5499100"/>
+                  <a:chOff x="1256339" y="-31049"/>
+                  <a:chExt cx="7708900" cy="5499100"/>
+                </a:xfrm>
+              </p:grpSpPr>
+              <p:grpSp>
+                <p:nvGrpSpPr>
+                  <p:cNvPr id="17" name="グループ化 16"/>
+                  <p:cNvGrpSpPr/>
+                  <p:nvPr/>
+                </p:nvGrpSpPr>
+                <p:grpSpPr>
+                  <a:xfrm>
+                    <a:off x="7189409" y="3024241"/>
+                    <a:ext cx="1076476" cy="416615"/>
+                    <a:chOff x="1521581" y="4062257"/>
+                    <a:chExt cx="1044054" cy="379824"/>
+                  </a:xfrm>
+                </p:grpSpPr>
+                <p:sp>
+                  <p:nvSpPr>
+                    <p:cNvPr id="36" name="正方形/長方形 35"/>
+                    <p:cNvSpPr/>
+                    <p:nvPr/>
+                  </p:nvSpPr>
+                  <p:spPr>
+                    <a:xfrm>
+                      <a:off x="1779592" y="4165065"/>
+                      <a:ext cx="528033" cy="51515"/>
+                    </a:xfrm>
+                    <a:prstGeom prst="rect">
+                      <a:avLst/>
+                    </a:prstGeom>
+                    <a:solidFill>
+                      <a:schemeClr val="tx1"/>
+                    </a:solidFill>
+                    <a:ln>
+                      <a:noFill/>
+                    </a:ln>
+                  </p:spPr>
+                  <p:style>
+                    <a:lnRef idx="2">
+                      <a:schemeClr val="accent1">
+                        <a:shade val="50000"/>
+                      </a:schemeClr>
+                    </a:lnRef>
+                    <a:fillRef idx="1">
+                      <a:schemeClr val="accent1"/>
+                    </a:fillRef>
+                    <a:effectRef idx="0">
+                      <a:schemeClr val="accent1"/>
+                    </a:effectRef>
+                    <a:fontRef idx="minor">
+                      <a:schemeClr val="lt1"/>
+                    </a:fontRef>
+                  </p:style>
+                  <p:txBody>
+                    <a:bodyPr rtlCol="0" anchor="ctr"/>
+                    <a:lstStyle/>
+                    <a:p>
+                      <a:pPr algn="ctr"/>
+                      <a:endParaRPr kumimoji="1" lang="ja-JP" altLang="en-US"/>
+                    </a:p>
+                  </p:txBody>
+                </p:sp>
+                <p:sp>
+                  <p:nvSpPr>
+                    <p:cNvPr id="37" name="正方形/長方形 36"/>
+                    <p:cNvSpPr/>
+                    <p:nvPr/>
+                  </p:nvSpPr>
+                  <p:spPr>
+                    <a:xfrm>
+                      <a:off x="1521581" y="4062257"/>
+                      <a:ext cx="1044054" cy="45719"/>
+                    </a:xfrm>
+                    <a:prstGeom prst="rect">
+                      <a:avLst/>
+                    </a:prstGeom>
+                    <a:solidFill>
+                      <a:schemeClr val="tx1"/>
+                    </a:solidFill>
+                    <a:ln>
+                      <a:noFill/>
+                    </a:ln>
+                  </p:spPr>
+                  <p:style>
+                    <a:lnRef idx="2">
+                      <a:schemeClr val="accent1">
+                        <a:shade val="50000"/>
+                      </a:schemeClr>
+                    </a:lnRef>
+                    <a:fillRef idx="1">
+                      <a:schemeClr val="accent1"/>
+                    </a:fillRef>
+                    <a:effectRef idx="0">
+                      <a:schemeClr val="accent1"/>
+                    </a:effectRef>
+                    <a:fontRef idx="minor">
+                      <a:schemeClr val="lt1"/>
+                    </a:fontRef>
+                  </p:style>
+                  <p:txBody>
+                    <a:bodyPr rtlCol="0" anchor="ctr"/>
+                    <a:lstStyle/>
+                    <a:p>
+                      <a:pPr algn="ctr"/>
+                      <a:endParaRPr kumimoji="1" lang="ja-JP" altLang="en-US"/>
+                    </a:p>
+                  </p:txBody>
+                </p:sp>
+                <p:sp>
+                  <p:nvSpPr>
+                    <p:cNvPr id="38" name="正方形/長方形 37"/>
+                    <p:cNvSpPr/>
+                    <p:nvPr/>
+                  </p:nvSpPr>
+                  <p:spPr>
+                    <a:xfrm>
+                      <a:off x="1779592" y="4390566"/>
+                      <a:ext cx="528033" cy="51515"/>
+                    </a:xfrm>
+                    <a:prstGeom prst="rect">
+                      <a:avLst/>
+                    </a:prstGeom>
+                    <a:solidFill>
+                      <a:schemeClr val="tx1"/>
+                    </a:solidFill>
+                    <a:ln>
+                      <a:noFill/>
+                    </a:ln>
+                  </p:spPr>
+                  <p:style>
+                    <a:lnRef idx="2">
+                      <a:schemeClr val="accent1">
+                        <a:shade val="50000"/>
+                      </a:schemeClr>
+                    </a:lnRef>
+                    <a:fillRef idx="1">
+                      <a:schemeClr val="accent1"/>
+                    </a:fillRef>
+                    <a:effectRef idx="0">
+                      <a:schemeClr val="accent1"/>
+                    </a:effectRef>
+                    <a:fontRef idx="minor">
+                      <a:schemeClr val="lt1"/>
+                    </a:fontRef>
+                  </p:style>
+                  <p:txBody>
+                    <a:bodyPr rtlCol="0" anchor="ctr"/>
+                    <a:lstStyle/>
+                    <a:p>
+                      <a:pPr algn="ctr"/>
+                      <a:endParaRPr kumimoji="1" lang="ja-JP" altLang="en-US"/>
+                    </a:p>
+                  </p:txBody>
+                </p:sp>
+                <p:sp>
+                  <p:nvSpPr>
+                    <p:cNvPr id="39" name="正方形/長方形 38"/>
+                    <p:cNvSpPr/>
+                    <p:nvPr/>
+                  </p:nvSpPr>
+                  <p:spPr>
+                    <a:xfrm>
+                      <a:off x="1521581" y="4287758"/>
+                      <a:ext cx="1044054" cy="45719"/>
+                    </a:xfrm>
+                    <a:prstGeom prst="rect">
+                      <a:avLst/>
+                    </a:prstGeom>
+                    <a:solidFill>
+                      <a:schemeClr val="tx1"/>
+                    </a:solidFill>
+                    <a:ln>
+                      <a:noFill/>
+                    </a:ln>
+                  </p:spPr>
+                  <p:style>
+                    <a:lnRef idx="2">
+                      <a:schemeClr val="accent1">
+                        <a:shade val="50000"/>
+                      </a:schemeClr>
+                    </a:lnRef>
+                    <a:fillRef idx="1">
+                      <a:schemeClr val="accent1"/>
+                    </a:fillRef>
+                    <a:effectRef idx="0">
+                      <a:schemeClr val="accent1"/>
+                    </a:effectRef>
+                    <a:fontRef idx="minor">
+                      <a:schemeClr val="lt1"/>
+                    </a:fontRef>
+                  </p:style>
+                  <p:txBody>
+                    <a:bodyPr rtlCol="0" anchor="ctr"/>
+                    <a:lstStyle/>
+                    <a:p>
+                      <a:pPr algn="ctr"/>
+                      <a:endParaRPr kumimoji="1" lang="ja-JP" altLang="en-US"/>
+                    </a:p>
+                  </p:txBody>
+                </p:sp>
+              </p:grpSp>
+              <p:sp>
+                <p:nvSpPr>
+                  <p:cNvPr id="18" name="円/楕円 17"/>
+                  <p:cNvSpPr/>
+                  <p:nvPr/>
+                </p:nvSpPr>
+                <p:spPr>
+                  <a:xfrm>
+                    <a:off x="1858013" y="2483856"/>
+                    <a:ext cx="1440180" cy="1360170"/>
+                  </a:xfrm>
+                  <a:prstGeom prst="ellipse">
+                    <a:avLst/>
+                  </a:prstGeom>
+                  <a:noFill/>
+                  <a:ln w="38100">
+                    <a:solidFill>
+                      <a:schemeClr val="tx1"/>
+                    </a:solidFill>
+                  </a:ln>
+                </p:spPr>
+                <p:style>
+                  <a:lnRef idx="2">
+                    <a:schemeClr val="accent1">
+                      <a:shade val="50000"/>
+                    </a:schemeClr>
+                  </a:lnRef>
+                  <a:fillRef idx="1">
+                    <a:schemeClr val="accent1"/>
+                  </a:fillRef>
+                  <a:effectRef idx="0">
+                    <a:schemeClr val="accent1"/>
+                  </a:effectRef>
+                  <a:fontRef idx="minor">
+                    <a:schemeClr val="lt1"/>
+                  </a:fontRef>
+                </p:style>
+                <p:txBody>
+                  <a:bodyPr rtlCol="0" anchor="ctr"/>
+                  <a:lstStyle/>
+                  <a:p>
+                    <a:pPr algn="ctr"/>
+                    <a:r>
+                      <a:rPr kumimoji="1" lang="en-US" altLang="ja-JP" sz="4800" b="1" dirty="0" smtClean="0">
+                        <a:solidFill>
+                          <a:schemeClr val="tx1"/>
+                        </a:solidFill>
+                      </a:rPr>
+                      <a:t>M</a:t>
+                    </a:r>
+                    <a:endParaRPr kumimoji="1" lang="ja-JP" altLang="en-US" sz="4800" b="1" dirty="0">
+                      <a:solidFill>
+                        <a:schemeClr val="tx1"/>
+                      </a:solidFill>
+                    </a:endParaRPr>
+                  </a:p>
+                </p:txBody>
+              </p:sp>
+              <p:grpSp>
+                <p:nvGrpSpPr>
+                  <p:cNvPr id="19" name="グループ化 18"/>
+                  <p:cNvGrpSpPr/>
+                  <p:nvPr/>
+                </p:nvGrpSpPr>
+                <p:grpSpPr>
+                  <a:xfrm>
+                    <a:off x="4012240" y="1768134"/>
+                    <a:ext cx="2197100" cy="3345444"/>
+                    <a:chOff x="4012240" y="1493256"/>
+                    <a:chExt cx="2197100" cy="3345444"/>
+                  </a:xfrm>
+                </p:grpSpPr>
+                <p:grpSp>
+                  <p:nvGrpSpPr>
+                    <p:cNvPr id="31" name="グループ化 30"/>
+                    <p:cNvGrpSpPr/>
+                    <p:nvPr/>
+                  </p:nvGrpSpPr>
+                  <p:grpSpPr>
+                    <a:xfrm>
+                      <a:off x="4012240" y="2110476"/>
+                      <a:ext cx="2197100" cy="2728224"/>
+                      <a:chOff x="6337300" y="2032000"/>
+                      <a:chExt cx="2197100" cy="3467100"/>
+                    </a:xfrm>
+                  </p:grpSpPr>
+                  <p:sp>
+                    <p:nvSpPr>
+                      <p:cNvPr id="34" name="正方形/長方形 33"/>
+                      <p:cNvSpPr/>
+                      <p:nvPr/>
+                    </p:nvSpPr>
+                    <p:spPr>
+                      <a:xfrm>
+                        <a:off x="6337300" y="2032000"/>
+                        <a:ext cx="2197100" cy="3467100"/>
+                      </a:xfrm>
+                      <a:prstGeom prst="rect">
+                        <a:avLst/>
+                      </a:prstGeom>
+                      <a:solidFill>
+                        <a:schemeClr val="bg2">
+                          <a:lumMod val="50000"/>
+                        </a:schemeClr>
+                      </a:solidFill>
+                      <a:ln>
+                        <a:noFill/>
+                      </a:ln>
+                    </p:spPr>
+                    <p:style>
+                      <a:lnRef idx="2">
+                        <a:schemeClr val="accent1">
+                          <a:shade val="50000"/>
+                        </a:schemeClr>
+                      </a:lnRef>
+                      <a:fillRef idx="1">
+                        <a:schemeClr val="accent1"/>
+                      </a:fillRef>
+                      <a:effectRef idx="0">
+                        <a:schemeClr val="accent1"/>
+                      </a:effectRef>
+                      <a:fontRef idx="minor">
+                        <a:schemeClr val="lt1"/>
+                      </a:fontRef>
+                    </p:style>
+                    <p:txBody>
+                      <a:bodyPr rtlCol="0" anchor="ctr"/>
+                      <a:lstStyle/>
+                      <a:p>
+                        <a:pPr algn="ctr"/>
+                        <a:endParaRPr kumimoji="1" lang="ja-JP" altLang="en-US"/>
+                      </a:p>
+                    </p:txBody>
+                  </p:sp>
+                  <p:sp>
+                    <p:nvSpPr>
+                      <p:cNvPr id="35" name="正方形/長方形 34"/>
+                      <p:cNvSpPr/>
+                      <p:nvPr/>
+                    </p:nvSpPr>
+                    <p:spPr>
+                      <a:xfrm>
+                        <a:off x="6845300" y="4152900"/>
+                        <a:ext cx="1181100" cy="1104900"/>
+                      </a:xfrm>
+                      <a:prstGeom prst="rect">
+                        <a:avLst/>
+                      </a:prstGeom>
+                      <a:solidFill>
+                        <a:schemeClr val="bg1"/>
+                      </a:solidFill>
+                      <a:ln>
+                        <a:noFill/>
+                      </a:ln>
+                    </p:spPr>
+                    <p:style>
+                      <a:lnRef idx="2">
+                        <a:schemeClr val="accent1">
+                          <a:shade val="50000"/>
+                        </a:schemeClr>
+                      </a:lnRef>
+                      <a:fillRef idx="1">
+                        <a:schemeClr val="accent1"/>
+                      </a:fillRef>
+                      <a:effectRef idx="0">
+                        <a:schemeClr val="accent1"/>
+                      </a:effectRef>
+                      <a:fontRef idx="minor">
+                        <a:schemeClr val="lt1"/>
+                      </a:fontRef>
+                    </p:style>
+                    <p:txBody>
+                      <a:bodyPr rtlCol="0" anchor="ctr"/>
+                      <a:lstStyle/>
+                      <a:p>
+                        <a:pPr algn="ctr"/>
+                        <a:endParaRPr kumimoji="1" lang="ja-JP" altLang="en-US"/>
+                      </a:p>
+                    </p:txBody>
+                  </p:sp>
+                </p:grpSp>
+                <p:sp>
+                  <p:nvSpPr>
+                    <p:cNvPr id="32" name="正方形/長方形 31"/>
+                    <p:cNvSpPr/>
+                    <p:nvPr/>
+                  </p:nvSpPr>
+                  <p:spPr>
+                    <a:xfrm>
+                      <a:off x="4425470" y="1493256"/>
+                      <a:ext cx="1370640" cy="990600"/>
+                    </a:xfrm>
+                    <a:prstGeom prst="rect">
+                      <a:avLst/>
+                    </a:prstGeom>
+                    <a:solidFill>
+                      <a:schemeClr val="bg2">
+                        <a:lumMod val="50000"/>
+                      </a:schemeClr>
+                    </a:solidFill>
+                    <a:ln>
+                      <a:noFill/>
+                    </a:ln>
+                  </p:spPr>
+                  <p:style>
+                    <a:lnRef idx="2">
+                      <a:schemeClr val="accent1">
+                        <a:shade val="50000"/>
+                      </a:schemeClr>
+                    </a:lnRef>
+                    <a:fillRef idx="1">
+                      <a:schemeClr val="accent1"/>
+                    </a:fillRef>
+                    <a:effectRef idx="0">
+                      <a:schemeClr val="accent1"/>
+                    </a:effectRef>
+                    <a:fontRef idx="minor">
+                      <a:schemeClr val="lt1"/>
+                    </a:fontRef>
+                  </p:style>
+                  <p:txBody>
+                    <a:bodyPr rtlCol="0" anchor="ctr"/>
+                    <a:lstStyle/>
+                    <a:p>
+                      <a:pPr algn="ctr"/>
+                      <a:endParaRPr kumimoji="1" lang="ja-JP" altLang="en-US"/>
+                    </a:p>
+                  </p:txBody>
+                </p:sp>
+                <p:sp>
+                  <p:nvSpPr>
+                    <p:cNvPr id="33" name="正方形/長方形 32"/>
+                    <p:cNvSpPr/>
+                    <p:nvPr/>
+                  </p:nvSpPr>
+                  <p:spPr>
+                    <a:xfrm>
+                      <a:off x="4903300" y="3779390"/>
+                      <a:ext cx="414979" cy="414567"/>
+                    </a:xfrm>
+                    <a:prstGeom prst="rect">
+                      <a:avLst/>
+                    </a:prstGeom>
+                    <a:solidFill>
+                      <a:schemeClr val="bg2">
+                        <a:lumMod val="50000"/>
+                      </a:schemeClr>
+                    </a:solidFill>
+                    <a:ln>
+                      <a:noFill/>
+                    </a:ln>
+                  </p:spPr>
+                  <p:style>
+                    <a:lnRef idx="2">
+                      <a:schemeClr val="accent1">
+                        <a:shade val="50000"/>
+                      </a:schemeClr>
+                    </a:lnRef>
+                    <a:fillRef idx="1">
+                      <a:schemeClr val="accent1"/>
+                    </a:fillRef>
+                    <a:effectRef idx="0">
+                      <a:schemeClr val="accent1"/>
+                    </a:effectRef>
+                    <a:fontRef idx="minor">
+                      <a:schemeClr val="lt1"/>
+                    </a:fontRef>
+                  </p:style>
+                  <p:txBody>
+                    <a:bodyPr rtlCol="0" anchor="ctr"/>
+                    <a:lstStyle/>
+                    <a:p>
+                      <a:pPr algn="ctr"/>
+                      <a:endParaRPr kumimoji="1" lang="ja-JP" altLang="en-US"/>
+                    </a:p>
+                  </p:txBody>
+                </p:sp>
+              </p:grpSp>
+              <p:grpSp>
+                <p:nvGrpSpPr>
+                  <p:cNvPr id="20" name="グループ化 19"/>
+                  <p:cNvGrpSpPr/>
+                  <p:nvPr/>
+                </p:nvGrpSpPr>
+                <p:grpSpPr>
+                  <a:xfrm>
+                    <a:off x="4513407" y="1828088"/>
+                    <a:ext cx="389893" cy="497312"/>
+                    <a:chOff x="4255966" y="2268767"/>
+                    <a:chExt cx="558800" cy="430178"/>
+                  </a:xfrm>
+                </p:grpSpPr>
+                <p:sp>
+                  <p:nvSpPr>
+                    <p:cNvPr id="29" name="円/楕円 28"/>
+                    <p:cNvSpPr/>
+                    <p:nvPr/>
+                  </p:nvSpPr>
+                  <p:spPr>
+                    <a:xfrm>
+                      <a:off x="4255966" y="2268767"/>
+                      <a:ext cx="228600" cy="430178"/>
+                    </a:xfrm>
+                    <a:prstGeom prst="ellipse">
+                      <a:avLst/>
+                    </a:prstGeom>
+                    <a:solidFill>
+                      <a:schemeClr val="bg1">
+                        <a:lumMod val="75000"/>
+                      </a:schemeClr>
+                    </a:solidFill>
+                    <a:ln>
+                      <a:noFill/>
+                    </a:ln>
+                  </p:spPr>
+                  <p:style>
+                    <a:lnRef idx="2">
+                      <a:schemeClr val="accent1">
+                        <a:shade val="50000"/>
+                      </a:schemeClr>
+                    </a:lnRef>
+                    <a:fillRef idx="1">
+                      <a:schemeClr val="accent1"/>
+                    </a:fillRef>
+                    <a:effectRef idx="0">
+                      <a:schemeClr val="accent1"/>
+                    </a:effectRef>
+                    <a:fontRef idx="minor">
+                      <a:schemeClr val="lt1"/>
+                    </a:fontRef>
+                  </p:style>
+                  <p:txBody>
+                    <a:bodyPr rtlCol="0" anchor="ctr"/>
+                    <a:lstStyle/>
+                    <a:p>
+                      <a:pPr algn="ctr"/>
+                      <a:endParaRPr kumimoji="1" lang="ja-JP" altLang="en-US">
+                        <a:solidFill>
+                          <a:schemeClr val="accent3">
+                            <a:lumMod val="75000"/>
+                          </a:schemeClr>
+                        </a:solidFill>
+                      </a:endParaRPr>
+                    </a:p>
+                  </p:txBody>
+                </p:sp>
+                <p:sp>
+                  <p:nvSpPr>
+                    <p:cNvPr id="30" name="円/楕円 29"/>
+                    <p:cNvSpPr/>
+                    <p:nvPr/>
+                  </p:nvSpPr>
+                  <p:spPr>
+                    <a:xfrm>
+                      <a:off x="4586166" y="2268767"/>
+                      <a:ext cx="228600" cy="430178"/>
+                    </a:xfrm>
+                    <a:prstGeom prst="ellipse">
+                      <a:avLst/>
+                    </a:prstGeom>
+                    <a:solidFill>
+                      <a:schemeClr val="bg1">
+                        <a:lumMod val="75000"/>
+                      </a:schemeClr>
+                    </a:solidFill>
+                    <a:ln>
+                      <a:noFill/>
+                    </a:ln>
+                  </p:spPr>
+                  <p:style>
+                    <a:lnRef idx="2">
+                      <a:schemeClr val="accent1">
+                        <a:shade val="50000"/>
+                      </a:schemeClr>
+                    </a:lnRef>
+                    <a:fillRef idx="1">
+                      <a:schemeClr val="accent1"/>
+                    </a:fillRef>
+                    <a:effectRef idx="0">
+                      <a:schemeClr val="accent1"/>
+                    </a:effectRef>
+                    <a:fontRef idx="minor">
+                      <a:schemeClr val="lt1"/>
+                    </a:fontRef>
+                  </p:style>
+                  <p:txBody>
+                    <a:bodyPr rtlCol="0" anchor="ctr"/>
+                    <a:lstStyle/>
+                    <a:p>
+                      <a:pPr algn="ctr"/>
+                      <a:endParaRPr kumimoji="1" lang="ja-JP" altLang="en-US">
+                        <a:solidFill>
+                          <a:schemeClr val="accent3">
+                            <a:lumMod val="75000"/>
+                          </a:schemeClr>
+                        </a:solidFill>
+                      </a:endParaRPr>
+                    </a:p>
+                  </p:txBody>
+                </p:sp>
+              </p:grpSp>
+              <p:grpSp>
+                <p:nvGrpSpPr>
+                  <p:cNvPr id="21" name="グループ化 20"/>
+                  <p:cNvGrpSpPr/>
+                  <p:nvPr/>
+                </p:nvGrpSpPr>
+                <p:grpSpPr>
+                  <a:xfrm>
+                    <a:off x="5311447" y="1828088"/>
+                    <a:ext cx="389893" cy="497312"/>
+                    <a:chOff x="4255966" y="2268767"/>
+                    <a:chExt cx="558800" cy="430178"/>
+                  </a:xfrm>
+                </p:grpSpPr>
+                <p:sp>
+                  <p:nvSpPr>
+                    <p:cNvPr id="27" name="円/楕円 26"/>
+                    <p:cNvSpPr/>
+                    <p:nvPr/>
+                  </p:nvSpPr>
+                  <p:spPr>
+                    <a:xfrm>
+                      <a:off x="4255966" y="2268767"/>
+                      <a:ext cx="228600" cy="430178"/>
+                    </a:xfrm>
+                    <a:prstGeom prst="ellipse">
+                      <a:avLst/>
+                    </a:prstGeom>
+                    <a:solidFill>
+                      <a:schemeClr val="bg1">
+                        <a:lumMod val="75000"/>
+                      </a:schemeClr>
+                    </a:solidFill>
+                    <a:ln>
+                      <a:noFill/>
+                    </a:ln>
+                  </p:spPr>
+                  <p:style>
+                    <a:lnRef idx="2">
+                      <a:schemeClr val="accent1">
+                        <a:shade val="50000"/>
+                      </a:schemeClr>
+                    </a:lnRef>
+                    <a:fillRef idx="1">
+                      <a:schemeClr val="accent1"/>
+                    </a:fillRef>
+                    <a:effectRef idx="0">
+                      <a:schemeClr val="accent1"/>
+                    </a:effectRef>
+                    <a:fontRef idx="minor">
+                      <a:schemeClr val="lt1"/>
+                    </a:fontRef>
+                  </p:style>
+                  <p:txBody>
+                    <a:bodyPr rtlCol="0" anchor="ctr"/>
+                    <a:lstStyle/>
+                    <a:p>
+                      <a:pPr algn="ctr"/>
+                      <a:endParaRPr kumimoji="1" lang="ja-JP" altLang="en-US">
+                        <a:solidFill>
+                          <a:schemeClr val="accent3">
+                            <a:lumMod val="75000"/>
+                          </a:schemeClr>
+                        </a:solidFill>
+                      </a:endParaRPr>
+                    </a:p>
+                  </p:txBody>
+                </p:sp>
+                <p:sp>
+                  <p:nvSpPr>
+                    <p:cNvPr id="28" name="円/楕円 27"/>
+                    <p:cNvSpPr/>
+                    <p:nvPr/>
+                  </p:nvSpPr>
+                  <p:spPr>
+                    <a:xfrm>
+                      <a:off x="4586166" y="2268767"/>
+                      <a:ext cx="228600" cy="430178"/>
+                    </a:xfrm>
+                    <a:prstGeom prst="ellipse">
+                      <a:avLst/>
+                    </a:prstGeom>
+                    <a:solidFill>
+                      <a:schemeClr val="bg1">
+                        <a:lumMod val="75000"/>
+                      </a:schemeClr>
+                    </a:solidFill>
+                    <a:ln>
+                      <a:noFill/>
+                    </a:ln>
+                  </p:spPr>
+                  <p:style>
+                    <a:lnRef idx="2">
+                      <a:schemeClr val="accent1">
+                        <a:shade val="50000"/>
+                      </a:schemeClr>
+                    </a:lnRef>
+                    <a:fillRef idx="1">
+                      <a:schemeClr val="accent1"/>
+                    </a:fillRef>
+                    <a:effectRef idx="0">
+                      <a:schemeClr val="accent1"/>
+                    </a:effectRef>
+                    <a:fontRef idx="minor">
+                      <a:schemeClr val="lt1"/>
+                    </a:fontRef>
+                  </p:style>
+                  <p:txBody>
+                    <a:bodyPr rtlCol="0" anchor="ctr"/>
+                    <a:lstStyle/>
+                    <a:p>
+                      <a:pPr algn="ctr"/>
+                      <a:endParaRPr kumimoji="1" lang="ja-JP" altLang="en-US">
+                        <a:solidFill>
+                          <a:schemeClr val="accent3">
+                            <a:lumMod val="75000"/>
+                          </a:schemeClr>
+                        </a:solidFill>
+                      </a:endParaRPr>
+                    </a:p>
+                  </p:txBody>
+                </p:sp>
+              </p:grpSp>
+              <p:sp>
+                <p:nvSpPr>
+                  <p:cNvPr id="24" name="フリーフォーム 23"/>
+                  <p:cNvSpPr/>
+                  <p:nvPr/>
+                </p:nvSpPr>
+                <p:spPr>
+                  <a:xfrm>
+                    <a:off x="3314700" y="351616"/>
+                    <a:ext cx="2337936" cy="2785284"/>
+                  </a:xfrm>
+                  <a:custGeom>
+                    <a:avLst/>
+                    <a:gdLst>
+                      <a:gd name="connsiteX0" fmla="*/ 0 w 1530133"/>
+                      <a:gd name="connsiteY0" fmla="*/ 2785284 h 2785284"/>
+                      <a:gd name="connsiteX1" fmla="*/ 266700 w 1530133"/>
+                      <a:gd name="connsiteY1" fmla="*/ 296084 h 2785284"/>
+                      <a:gd name="connsiteX2" fmla="*/ 1358900 w 1530133"/>
+                      <a:gd name="connsiteY2" fmla="*/ 207184 h 2785284"/>
+                      <a:gd name="connsiteX3" fmla="*/ 1511300 w 1530133"/>
+                      <a:gd name="connsiteY3" fmla="*/ 1743884 h 2785284"/>
+                    </a:gdLst>
+                    <a:ahLst/>
+                    <a:cxnLst>
+                      <a:cxn ang="0">
+                        <a:pos x="connsiteX0" y="connsiteY0"/>
+                      </a:cxn>
+                      <a:cxn ang="0">
+                        <a:pos x="connsiteX1" y="connsiteY1"/>
+                      </a:cxn>
+                      <a:cxn ang="0">
+                        <a:pos x="connsiteX2" y="connsiteY2"/>
+                      </a:cxn>
+                      <a:cxn ang="0">
+                        <a:pos x="connsiteX3" y="connsiteY3"/>
+                      </a:cxn>
+                    </a:cxnLst>
+                    <a:rect l="l" t="t" r="r" b="b"/>
+                    <a:pathLst>
+                      <a:path w="1530133" h="2785284">
+                        <a:moveTo>
+                          <a:pt x="0" y="2785284"/>
+                        </a:moveTo>
+                        <a:cubicBezTo>
+                          <a:pt x="20108" y="1755525"/>
+                          <a:pt x="40217" y="725767"/>
+                          <a:pt x="266700" y="296084"/>
+                        </a:cubicBezTo>
+                        <a:cubicBezTo>
+                          <a:pt x="493183" y="-133599"/>
+                          <a:pt x="1151467" y="-34116"/>
+                          <a:pt x="1358900" y="207184"/>
+                        </a:cubicBezTo>
+                        <a:cubicBezTo>
+                          <a:pt x="1566333" y="448484"/>
+                          <a:pt x="1538816" y="1096184"/>
+                          <a:pt x="1511300" y="1743884"/>
+                        </a:cubicBezTo>
+                      </a:path>
+                    </a:pathLst>
+                  </a:custGeom>
+                  <a:noFill/>
+                  <a:ln w="38100">
+                    <a:solidFill>
+                      <a:srgbClr val="002060"/>
+                    </a:solidFill>
+                  </a:ln>
+                </p:spPr>
+                <p:style>
+                  <a:lnRef idx="2">
+                    <a:schemeClr val="accent1">
+                      <a:shade val="50000"/>
+                    </a:schemeClr>
+                  </a:lnRef>
+                  <a:fillRef idx="1">
+                    <a:schemeClr val="accent1"/>
+                  </a:fillRef>
+                  <a:effectRef idx="0">
+                    <a:schemeClr val="accent1"/>
+                  </a:effectRef>
+                  <a:fontRef idx="minor">
+                    <a:schemeClr val="lt1"/>
+                  </a:fontRef>
+                </p:style>
+                <p:txBody>
+                  <a:bodyPr rtlCol="0" anchor="ctr"/>
+                  <a:lstStyle/>
+                  <a:p>
+                    <a:pPr algn="ctr"/>
+                    <a:endParaRPr kumimoji="1" lang="ja-JP" altLang="en-US"/>
+                  </a:p>
+                </p:txBody>
+              </p:sp>
+              <p:sp>
+                <p:nvSpPr>
+                  <p:cNvPr id="25" name="フリーフォーム 24"/>
+                  <p:cNvSpPr/>
+                  <p:nvPr/>
+                </p:nvSpPr>
+                <p:spPr>
+                  <a:xfrm>
+                    <a:off x="1646096" y="1223691"/>
+                    <a:ext cx="3824853" cy="1976709"/>
+                  </a:xfrm>
+                  <a:custGeom>
+                    <a:avLst/>
+                    <a:gdLst>
+                      <a:gd name="connsiteX0" fmla="*/ 208104 w 3026471"/>
+                      <a:gd name="connsiteY0" fmla="*/ 1976709 h 1976709"/>
+                      <a:gd name="connsiteX1" fmla="*/ 246204 w 3026471"/>
+                      <a:gd name="connsiteY1" fmla="*/ 173309 h 1976709"/>
+                      <a:gd name="connsiteX2" fmla="*/ 2671904 w 3026471"/>
+                      <a:gd name="connsiteY2" fmla="*/ 147909 h 1976709"/>
+                      <a:gd name="connsiteX3" fmla="*/ 2964004 w 3026471"/>
+                      <a:gd name="connsiteY3" fmla="*/ 846409 h 1976709"/>
+                    </a:gdLst>
+                    <a:ahLst/>
+                    <a:cxnLst>
+                      <a:cxn ang="0">
+                        <a:pos x="connsiteX0" y="connsiteY0"/>
+                      </a:cxn>
+                      <a:cxn ang="0">
+                        <a:pos x="connsiteX1" y="connsiteY1"/>
+                      </a:cxn>
+                      <a:cxn ang="0">
+                        <a:pos x="connsiteX2" y="connsiteY2"/>
+                      </a:cxn>
+                      <a:cxn ang="0">
+                        <a:pos x="connsiteX3" y="connsiteY3"/>
+                      </a:cxn>
+                    </a:cxnLst>
+                    <a:rect l="l" t="t" r="r" b="b"/>
+                    <a:pathLst>
+                      <a:path w="3026471" h="1976709">
+                        <a:moveTo>
+                          <a:pt x="208104" y="1976709"/>
+                        </a:moveTo>
+                        <a:cubicBezTo>
+                          <a:pt x="21837" y="1227409"/>
+                          <a:pt x="-164429" y="478109"/>
+                          <a:pt x="246204" y="173309"/>
+                        </a:cubicBezTo>
+                        <a:cubicBezTo>
+                          <a:pt x="656837" y="-131491"/>
+                          <a:pt x="2218937" y="35726"/>
+                          <a:pt x="2671904" y="147909"/>
+                        </a:cubicBezTo>
+                        <a:cubicBezTo>
+                          <a:pt x="3124871" y="260092"/>
+                          <a:pt x="3044437" y="553250"/>
+                          <a:pt x="2964004" y="846409"/>
+                        </a:cubicBezTo>
+                      </a:path>
+                    </a:pathLst>
+                  </a:custGeom>
+                  <a:noFill/>
+                  <a:ln w="38100">
+                    <a:solidFill>
+                      <a:srgbClr val="00B050"/>
+                    </a:solidFill>
+                  </a:ln>
+                </p:spPr>
+                <p:style>
+                  <a:lnRef idx="2">
+                    <a:schemeClr val="accent1">
+                      <a:shade val="50000"/>
+                    </a:schemeClr>
+                  </a:lnRef>
+                  <a:fillRef idx="1">
+                    <a:schemeClr val="accent1"/>
+                  </a:fillRef>
+                  <a:effectRef idx="0">
+                    <a:schemeClr val="accent1"/>
+                  </a:effectRef>
+                  <a:fontRef idx="minor">
+                    <a:schemeClr val="lt1"/>
+                  </a:fontRef>
+                </p:style>
+                <p:txBody>
+                  <a:bodyPr rtlCol="0" anchor="ctr"/>
+                  <a:lstStyle/>
+                  <a:p>
+                    <a:pPr algn="ctr"/>
+                    <a:endParaRPr kumimoji="1" lang="ja-JP" altLang="en-US"/>
+                  </a:p>
+                </p:txBody>
+              </p:sp>
+              <p:sp>
+                <p:nvSpPr>
+                  <p:cNvPr id="26" name="正方形/長方形 25"/>
+                  <p:cNvSpPr/>
+                  <p:nvPr/>
+                </p:nvSpPr>
+                <p:spPr>
+                  <a:xfrm>
+                    <a:off x="1256339" y="-31049"/>
+                    <a:ext cx="7708900" cy="5499100"/>
+                  </a:xfrm>
+                  <a:prstGeom prst="rect">
+                    <a:avLst/>
+                  </a:prstGeom>
+                  <a:noFill/>
+                  <a:ln w="38100">
+                    <a:solidFill>
+                      <a:schemeClr val="tx1"/>
+                    </a:solidFill>
+                  </a:ln>
+                </p:spPr>
+                <p:style>
+                  <a:lnRef idx="2">
+                    <a:schemeClr val="accent1">
+                      <a:shade val="50000"/>
+                    </a:schemeClr>
+                  </a:lnRef>
+                  <a:fillRef idx="1">
+                    <a:schemeClr val="accent1"/>
+                  </a:fillRef>
+                  <a:effectRef idx="0">
+                    <a:schemeClr val="accent1"/>
+                  </a:effectRef>
+                  <a:fontRef idx="minor">
+                    <a:schemeClr val="lt1"/>
+                  </a:fontRef>
+                </p:style>
+                <p:txBody>
+                  <a:bodyPr rtlCol="0" anchor="ctr"/>
+                  <a:lstStyle/>
+                  <a:p>
+                    <a:pPr algn="ctr"/>
+                    <a:endParaRPr kumimoji="1" lang="ja-JP" altLang="en-US"/>
+                  </a:p>
+                </p:txBody>
+              </p:sp>
+            </p:grpSp>
+            <p:sp>
+              <p:nvSpPr>
+                <p:cNvPr id="7" name="テキスト ボックス 6"/>
+                <p:cNvSpPr txBox="1"/>
+                <p:nvPr/>
+              </p:nvSpPr>
+              <p:spPr>
+                <a:xfrm>
+                  <a:off x="5209516" y="2816173"/>
+                  <a:ext cx="951277" cy="338554"/>
+                </a:xfrm>
+                <a:prstGeom prst="rect">
+                  <a:avLst/>
+                </a:prstGeom>
+                <a:noFill/>
+              </p:spPr>
+              <p:txBody>
+                <a:bodyPr wrap="square" rtlCol="0">
+                  <a:spAutoFit/>
+                </a:bodyPr>
+                <a:lstStyle/>
+                <a:p>
+                  <a:r>
+                    <a:rPr kumimoji="1" lang="ja-JP" altLang="en-US" sz="1600" dirty="0" err="1" smtClean="0"/>
+                    <a:t>ー</a:t>
+                  </a:r>
+                  <a:r>
+                    <a:rPr kumimoji="1" lang="ja-JP" altLang="en-US" sz="1600" dirty="0" smtClean="0"/>
+                    <a:t>　＋</a:t>
+                  </a:r>
+                  <a:endParaRPr kumimoji="1" lang="ja-JP" altLang="en-US" sz="1600" dirty="0"/>
+                </a:p>
+              </p:txBody>
+            </p:sp>
+            <p:sp>
+              <p:nvSpPr>
+                <p:cNvPr id="8" name="正方形/長方形 7"/>
+                <p:cNvSpPr/>
+                <p:nvPr/>
+              </p:nvSpPr>
+              <p:spPr>
+                <a:xfrm>
+                  <a:off x="5073002" y="4727001"/>
+                  <a:ext cx="159428" cy="147648"/>
+                </a:xfrm>
+                <a:prstGeom prst="rect">
+                  <a:avLst/>
+                </a:prstGeom>
+                <a:solidFill>
+                  <a:schemeClr val="tx1"/>
+                </a:solidFill>
+                <a:ln>
+                  <a:noFill/>
+                </a:ln>
+              </p:spPr>
+              <p:style>
+                <a:lnRef idx="2">
+                  <a:schemeClr val="accent1">
+                    <a:shade val="50000"/>
+                  </a:schemeClr>
+                </a:lnRef>
+                <a:fillRef idx="1">
+                  <a:schemeClr val="accent1"/>
+                </a:fillRef>
+                <a:effectRef idx="0">
+                  <a:schemeClr val="accent1"/>
+                </a:effectRef>
+                <a:fontRef idx="minor">
+                  <a:schemeClr val="lt1"/>
+                </a:fontRef>
+              </p:style>
+              <p:txBody>
+                <a:bodyPr rtlCol="0" anchor="ctr"/>
+                <a:lstStyle/>
+                <a:p>
+                  <a:pPr algn="ctr"/>
+                  <a:endParaRPr kumimoji="1" lang="ja-JP" altLang="en-US"/>
+                </a:p>
+              </p:txBody>
+            </p:sp>
+            <p:cxnSp>
+              <p:nvCxnSpPr>
+                <p:cNvPr id="9" name="直線矢印コネクタ 8"/>
+                <p:cNvCxnSpPr/>
+                <p:nvPr/>
+              </p:nvCxnSpPr>
+              <p:spPr>
+                <a:xfrm flipH="1" flipV="1">
+                  <a:off x="5876826" y="4710612"/>
+                  <a:ext cx="2" cy="312489"/>
+                </a:xfrm>
+                <a:prstGeom prst="straightConnector1">
+                  <a:avLst/>
+                </a:prstGeom>
+                <a:ln w="47625">
+                  <a:solidFill>
+                    <a:schemeClr val="tx1"/>
+                  </a:solidFill>
+                  <a:tailEnd type="triangle"/>
+                </a:ln>
+              </p:spPr>
+              <p:style>
+                <a:lnRef idx="1">
+                  <a:schemeClr val="accent1"/>
+                </a:lnRef>
+                <a:fillRef idx="0">
+                  <a:schemeClr val="accent1"/>
+                </a:fillRef>
+                <a:effectRef idx="0">
+                  <a:schemeClr val="accent1"/>
+                </a:effectRef>
+                <a:fontRef idx="minor">
+                  <a:schemeClr val="tx1"/>
+                </a:fontRef>
+              </p:style>
+            </p:cxnSp>
+            <p:sp>
+              <p:nvSpPr>
+                <p:cNvPr id="10" name="円/楕円 9"/>
+                <p:cNvSpPr/>
+                <p:nvPr/>
+              </p:nvSpPr>
+              <p:spPr>
+                <a:xfrm>
+                  <a:off x="5781907" y="5026092"/>
+                  <a:ext cx="189839" cy="192861"/>
+                </a:xfrm>
+                <a:prstGeom prst="ellipse">
+                  <a:avLst/>
+                </a:prstGeom>
+                <a:noFill/>
+                <a:ln w="25400">
+                  <a:solidFill>
+                    <a:schemeClr val="tx1"/>
+                  </a:solidFill>
+                </a:ln>
+              </p:spPr>
+              <p:style>
+                <a:lnRef idx="2">
+                  <a:schemeClr val="accent1">
+                    <a:shade val="50000"/>
+                  </a:schemeClr>
+                </a:lnRef>
+                <a:fillRef idx="1">
+                  <a:schemeClr val="accent1"/>
+                </a:fillRef>
+                <a:effectRef idx="0">
+                  <a:schemeClr val="accent1"/>
+                </a:effectRef>
+                <a:fontRef idx="minor">
+                  <a:schemeClr val="lt1"/>
+                </a:fontRef>
+              </p:style>
+              <p:txBody>
+                <a:bodyPr rtlCol="0" anchor="ctr"/>
+                <a:lstStyle/>
+                <a:p>
+                  <a:pPr algn="ctr"/>
+                  <a:endParaRPr kumimoji="1" lang="ja-JP" altLang="en-US"/>
+                </a:p>
+              </p:txBody>
+            </p:sp>
+            <p:cxnSp>
+              <p:nvCxnSpPr>
+                <p:cNvPr id="11" name="直線矢印コネクタ 10"/>
+                <p:cNvCxnSpPr>
+                  <a:stCxn id="10" idx="6"/>
+                </p:cNvCxnSpPr>
+                <p:nvPr/>
+              </p:nvCxnSpPr>
+              <p:spPr>
+                <a:xfrm flipV="1">
+                  <a:off x="5971746" y="5122522"/>
+                  <a:ext cx="284413" cy="1"/>
+                </a:xfrm>
+                <a:prstGeom prst="straightConnector1">
+                  <a:avLst/>
+                </a:prstGeom>
+                <a:ln w="47625">
+                  <a:solidFill>
+                    <a:schemeClr val="tx1"/>
+                  </a:solidFill>
+                  <a:tailEnd type="triangle"/>
+                </a:ln>
+              </p:spPr>
+              <p:style>
+                <a:lnRef idx="1">
+                  <a:schemeClr val="accent1"/>
+                </a:lnRef>
+                <a:fillRef idx="0">
+                  <a:schemeClr val="accent1"/>
+                </a:fillRef>
+                <a:effectRef idx="0">
+                  <a:schemeClr val="accent1"/>
+                </a:effectRef>
+                <a:fontRef idx="minor">
+                  <a:schemeClr val="tx1"/>
+                </a:fontRef>
+              </p:style>
+            </p:cxnSp>
+            <p:sp>
+              <p:nvSpPr>
+                <p:cNvPr id="12" name="円/楕円 11"/>
+                <p:cNvSpPr/>
+                <p:nvPr/>
+              </p:nvSpPr>
+              <p:spPr>
+                <a:xfrm>
+                  <a:off x="5853966" y="5094116"/>
+                  <a:ext cx="45719" cy="45719"/>
+                </a:xfrm>
+                <a:prstGeom prst="ellipse">
+                  <a:avLst/>
+                </a:prstGeom>
+                <a:solidFill>
+                  <a:schemeClr val="tx1"/>
+                </a:solidFill>
+                <a:ln>
+                  <a:noFill/>
+                </a:ln>
+              </p:spPr>
+              <p:style>
+                <a:lnRef idx="2">
+                  <a:schemeClr val="accent1">
+                    <a:shade val="50000"/>
+                  </a:schemeClr>
+                </a:lnRef>
+                <a:fillRef idx="1">
+                  <a:schemeClr val="accent1"/>
+                </a:fillRef>
+                <a:effectRef idx="0">
+                  <a:schemeClr val="accent1"/>
+                </a:effectRef>
+                <a:fontRef idx="minor">
+                  <a:schemeClr val="lt1"/>
+                </a:fontRef>
+              </p:style>
+              <p:txBody>
+                <a:bodyPr rtlCol="0" anchor="ctr"/>
+                <a:lstStyle/>
+                <a:p>
+                  <a:pPr algn="ctr"/>
+                  <a:endParaRPr kumimoji="1" lang="ja-JP" altLang="en-US"/>
+                </a:p>
+              </p:txBody>
+            </p:sp>
+            <p:grpSp>
+              <p:nvGrpSpPr>
+                <p:cNvPr id="13" name="グループ化 12"/>
+                <p:cNvGrpSpPr/>
+                <p:nvPr/>
+              </p:nvGrpSpPr>
+              <p:grpSpPr>
+                <a:xfrm>
+                  <a:off x="5180143" y="3258257"/>
+                  <a:ext cx="872995" cy="855769"/>
+                  <a:chOff x="5180143" y="3258257"/>
+                  <a:chExt cx="872995" cy="855769"/>
+                </a:xfrm>
+              </p:grpSpPr>
+              <p:sp>
+                <p:nvSpPr>
+                  <p:cNvPr id="14" name="台形 13"/>
+                  <p:cNvSpPr/>
+                  <p:nvPr/>
+                </p:nvSpPr>
+                <p:spPr>
+                  <a:xfrm>
+                    <a:off x="5181002" y="3465096"/>
+                    <a:ext cx="872136" cy="420047"/>
+                  </a:xfrm>
+                  <a:prstGeom prst="trapezoid">
+                    <a:avLst/>
+                  </a:prstGeom>
+                  <a:solidFill>
+                    <a:srgbClr val="00B050"/>
+                  </a:solidFill>
+                  <a:ln>
+                    <a:noFill/>
+                  </a:ln>
+                </p:spPr>
+                <p:style>
+                  <a:lnRef idx="2">
+                    <a:schemeClr val="accent1">
+                      <a:shade val="50000"/>
+                    </a:schemeClr>
+                  </a:lnRef>
+                  <a:fillRef idx="1">
+                    <a:schemeClr val="accent1"/>
+                  </a:fillRef>
+                  <a:effectRef idx="0">
+                    <a:schemeClr val="accent1"/>
+                  </a:effectRef>
+                  <a:fontRef idx="minor">
+                    <a:schemeClr val="lt1"/>
+                  </a:fontRef>
+                </p:style>
+                <p:txBody>
+                  <a:bodyPr rtlCol="0" anchor="ctr"/>
+                  <a:lstStyle/>
+                  <a:p>
+                    <a:pPr algn="ctr"/>
+                    <a:endParaRPr kumimoji="1" lang="ja-JP" altLang="en-US"/>
+                  </a:p>
+                </p:txBody>
+              </p:sp>
+              <p:sp>
+                <p:nvSpPr>
+                  <p:cNvPr id="15" name="正方形/長方形 14"/>
+                  <p:cNvSpPr/>
+                  <p:nvPr/>
+                </p:nvSpPr>
+                <p:spPr>
+                  <a:xfrm>
+                    <a:off x="5180143" y="3873481"/>
+                    <a:ext cx="872995" cy="240545"/>
+                  </a:xfrm>
+                  <a:prstGeom prst="rect">
+                    <a:avLst/>
+                  </a:prstGeom>
+                  <a:solidFill>
+                    <a:srgbClr val="00B050"/>
+                  </a:solidFill>
+                  <a:ln>
+                    <a:noFill/>
+                  </a:ln>
+                </p:spPr>
+                <p:style>
+                  <a:lnRef idx="2">
+                    <a:schemeClr val="accent1">
+                      <a:shade val="50000"/>
+                    </a:schemeClr>
+                  </a:lnRef>
+                  <a:fillRef idx="1">
+                    <a:schemeClr val="accent1"/>
+                  </a:fillRef>
+                  <a:effectRef idx="0">
+                    <a:schemeClr val="accent1"/>
+                  </a:effectRef>
+                  <a:fontRef idx="minor">
+                    <a:schemeClr val="lt1"/>
+                  </a:fontRef>
+                </p:style>
+                <p:txBody>
+                  <a:bodyPr rtlCol="0" anchor="ctr"/>
+                  <a:lstStyle/>
+                  <a:p>
+                    <a:pPr algn="ctr"/>
+                    <a:endParaRPr kumimoji="1" lang="ja-JP" altLang="en-US"/>
+                  </a:p>
+                </p:txBody>
+              </p:sp>
+              <p:sp>
+                <p:nvSpPr>
+                  <p:cNvPr id="16" name="正方形/長方形 15"/>
+                  <p:cNvSpPr/>
+                  <p:nvPr/>
+                </p:nvSpPr>
+                <p:spPr>
+                  <a:xfrm>
+                    <a:off x="5285811" y="3258257"/>
+                    <a:ext cx="652187" cy="855769"/>
+                  </a:xfrm>
+                  <a:prstGeom prst="rect">
+                    <a:avLst/>
+                  </a:prstGeom>
+                </p:spPr>
+                <p:style>
+                  <a:lnRef idx="2">
+                    <a:schemeClr val="accent1">
+                      <a:shade val="50000"/>
+                    </a:schemeClr>
+                  </a:lnRef>
+                  <a:fillRef idx="1">
+                    <a:schemeClr val="accent1"/>
+                  </a:fillRef>
+                  <a:effectRef idx="0">
+                    <a:schemeClr val="accent1"/>
+                  </a:effectRef>
+                  <a:fontRef idx="minor">
+                    <a:schemeClr val="lt1"/>
+                  </a:fontRef>
+                </p:style>
+                <p:txBody>
+                  <a:bodyPr rtlCol="0" anchor="ctr"/>
+                  <a:lstStyle/>
+                  <a:p>
+                    <a:pPr algn="ctr"/>
+                    <a:endParaRPr kumimoji="1" lang="ja-JP" altLang="en-US"/>
+                  </a:p>
+                </p:txBody>
+              </p:sp>
+            </p:grpSp>
+          </p:grpSp>
+          <p:sp>
+            <p:nvSpPr>
+              <p:cNvPr id="42" name="フリーフォーム 41"/>
+              <p:cNvSpPr/>
+              <p:nvPr/>
+            </p:nvSpPr>
+            <p:spPr>
+              <a:xfrm>
+                <a:off x="4919133" y="1418671"/>
+                <a:ext cx="3554906" cy="2415392"/>
+              </a:xfrm>
+              <a:custGeom>
+                <a:avLst/>
+                <a:gdLst>
+                  <a:gd name="connsiteX0" fmla="*/ 2533725 w 2730038"/>
+                  <a:gd name="connsiteY0" fmla="*/ 2415392 h 2415392"/>
+                  <a:gd name="connsiteX1" fmla="*/ 2501641 w 2730038"/>
+                  <a:gd name="connsiteY1" fmla="*/ 281792 h 2415392"/>
+                  <a:gd name="connsiteX2" fmla="*/ 239704 w 2730038"/>
+                  <a:gd name="connsiteY2" fmla="*/ 153455 h 2415392"/>
+                  <a:gd name="connsiteX3" fmla="*/ 175536 w 2730038"/>
+                  <a:gd name="connsiteY3" fmla="*/ 1484950 h 2415392"/>
+                </a:gdLst>
+                <a:ahLst/>
+                <a:cxnLst>
+                  <a:cxn ang="0">
+                    <a:pos x="connsiteX0" y="connsiteY0"/>
+                  </a:cxn>
+                  <a:cxn ang="0">
+                    <a:pos x="connsiteX1" y="connsiteY1"/>
+                  </a:cxn>
+                  <a:cxn ang="0">
+                    <a:pos x="connsiteX2" y="connsiteY2"/>
+                  </a:cxn>
+                  <a:cxn ang="0">
+                    <a:pos x="connsiteX3" y="connsiteY3"/>
+                  </a:cxn>
+                </a:cxnLst>
+                <a:rect l="l" t="t" r="r" b="b"/>
+                <a:pathLst>
+                  <a:path w="2730038" h="2415392">
+                    <a:moveTo>
+                      <a:pt x="2533725" y="2415392"/>
+                    </a:moveTo>
+                    <a:cubicBezTo>
+                      <a:pt x="2708851" y="1537086"/>
+                      <a:pt x="2883978" y="658781"/>
+                      <a:pt x="2501641" y="281792"/>
+                    </a:cubicBezTo>
+                    <a:cubicBezTo>
+                      <a:pt x="2119304" y="-95197"/>
+                      <a:pt x="627388" y="-47071"/>
+                      <a:pt x="239704" y="153455"/>
+                    </a:cubicBezTo>
+                    <a:cubicBezTo>
+                      <a:pt x="-147980" y="353981"/>
+                      <a:pt x="13778" y="919465"/>
+                      <a:pt x="175536" y="1484950"/>
+                    </a:cubicBezTo>
+                  </a:path>
+                </a:pathLst>
+              </a:custGeom>
+              <a:noFill/>
+              <a:ln w="38100">
+                <a:solidFill>
+                  <a:srgbClr val="FF0000"/>
+                </a:solidFill>
+              </a:ln>
+            </p:spPr>
+            <p:style>
+              <a:lnRef idx="2">
+                <a:schemeClr val="accent1">
+                  <a:shade val="50000"/>
+                </a:schemeClr>
+              </a:lnRef>
+              <a:fillRef idx="1">
+                <a:schemeClr val="accent1"/>
+              </a:fillRef>
+              <a:effectRef idx="0">
+                <a:schemeClr val="accent1"/>
+              </a:effectRef>
+              <a:fontRef idx="minor">
+                <a:schemeClr val="lt1"/>
+              </a:fontRef>
+            </p:style>
+            <p:txBody>
+              <a:bodyPr rtlCol="0" anchor="ctr"/>
+              <a:lstStyle/>
+              <a:p>
+                <a:pPr algn="ctr"/>
+                <a:endParaRPr kumimoji="1" lang="ja-JP" altLang="en-US"/>
+              </a:p>
+            </p:txBody>
+          </p:sp>
+          <p:sp>
+            <p:nvSpPr>
+              <p:cNvPr id="44" name="フリーフォーム 43"/>
+              <p:cNvSpPr/>
+              <p:nvPr/>
+            </p:nvSpPr>
+            <p:spPr>
+              <a:xfrm>
+                <a:off x="5376333" y="1701596"/>
+                <a:ext cx="2885352" cy="3595158"/>
+              </a:xfrm>
+              <a:custGeom>
+                <a:avLst/>
+                <a:gdLst>
+                  <a:gd name="connsiteX0" fmla="*/ 2085473 w 2085473"/>
+                  <a:gd name="connsiteY0" fmla="*/ 2533520 h 3595158"/>
+                  <a:gd name="connsiteX1" fmla="*/ 1876926 w 2085473"/>
+                  <a:gd name="connsiteY1" fmla="*/ 3303541 h 3595158"/>
+                  <a:gd name="connsiteX2" fmla="*/ 1427747 w 2085473"/>
+                  <a:gd name="connsiteY2" fmla="*/ 3367709 h 3595158"/>
+                  <a:gd name="connsiteX3" fmla="*/ 1058778 w 2085473"/>
+                  <a:gd name="connsiteY3" fmla="*/ 432004 h 3595158"/>
+                  <a:gd name="connsiteX4" fmla="*/ 256673 w 2085473"/>
+                  <a:gd name="connsiteY4" fmla="*/ 95120 h 3595158"/>
+                  <a:gd name="connsiteX5" fmla="*/ 0 w 2085473"/>
+                  <a:gd name="connsiteY5" fmla="*/ 1218067 h 3595158"/>
+                </a:gdLst>
+                <a:ahLst/>
+                <a:cxnLst>
+                  <a:cxn ang="0">
+                    <a:pos x="connsiteX0" y="connsiteY0"/>
+                  </a:cxn>
+                  <a:cxn ang="0">
+                    <a:pos x="connsiteX1" y="connsiteY1"/>
+                  </a:cxn>
+                  <a:cxn ang="0">
+                    <a:pos x="connsiteX2" y="connsiteY2"/>
+                  </a:cxn>
+                  <a:cxn ang="0">
+                    <a:pos x="connsiteX3" y="connsiteY3"/>
+                  </a:cxn>
+                  <a:cxn ang="0">
+                    <a:pos x="connsiteX4" y="connsiteY4"/>
+                  </a:cxn>
+                  <a:cxn ang="0">
+                    <a:pos x="connsiteX5" y="connsiteY5"/>
+                  </a:cxn>
+                </a:cxnLst>
+                <a:rect l="l" t="t" r="r" b="b"/>
+                <a:pathLst>
+                  <a:path w="2085473" h="3595158">
+                    <a:moveTo>
+                      <a:pt x="2085473" y="2533520"/>
+                    </a:moveTo>
+                    <a:cubicBezTo>
+                      <a:pt x="2036010" y="2849015"/>
+                      <a:pt x="1986547" y="3164510"/>
+                      <a:pt x="1876926" y="3303541"/>
+                    </a:cubicBezTo>
+                    <a:cubicBezTo>
+                      <a:pt x="1767305" y="3442573"/>
+                      <a:pt x="1564105" y="3846299"/>
+                      <a:pt x="1427747" y="3367709"/>
+                    </a:cubicBezTo>
+                    <a:cubicBezTo>
+                      <a:pt x="1291389" y="2889119"/>
+                      <a:pt x="1253957" y="977436"/>
+                      <a:pt x="1058778" y="432004"/>
+                    </a:cubicBezTo>
+                    <a:cubicBezTo>
+                      <a:pt x="863599" y="-113428"/>
+                      <a:pt x="433136" y="-35891"/>
+                      <a:pt x="256673" y="95120"/>
+                    </a:cubicBezTo>
+                    <a:cubicBezTo>
+                      <a:pt x="80210" y="226130"/>
+                      <a:pt x="40105" y="722098"/>
+                      <a:pt x="0" y="1218067"/>
+                    </a:cubicBezTo>
+                  </a:path>
+                </a:pathLst>
+              </a:custGeom>
+              <a:noFill/>
+              <a:ln w="38100">
+                <a:solidFill>
+                  <a:schemeClr val="tx1"/>
+                </a:solidFill>
+                <a:miter lim="800000"/>
+              </a:ln>
+            </p:spPr>
+            <p:style>
+              <a:lnRef idx="2">
+                <a:schemeClr val="accent1">
+                  <a:shade val="50000"/>
+                </a:schemeClr>
+              </a:lnRef>
+              <a:fillRef idx="1">
+                <a:schemeClr val="accent1"/>
+              </a:fillRef>
+              <a:effectRef idx="0">
+                <a:schemeClr val="accent1"/>
+              </a:effectRef>
+              <a:fontRef idx="minor">
+                <a:schemeClr val="lt1"/>
+              </a:fontRef>
+            </p:style>
+            <p:txBody>
+              <a:bodyPr rtlCol="0" anchor="ctr"/>
+              <a:lstStyle/>
+              <a:p>
+                <a:pPr algn="ctr"/>
+                <a:endParaRPr kumimoji="1" lang="ja-JP" altLang="en-US"/>
+              </a:p>
+            </p:txBody>
+          </p:sp>
+        </p:grpSp>
+        <p:sp>
+          <p:nvSpPr>
+            <p:cNvPr id="46" name="乗算記号 45"/>
+            <p:cNvSpPr/>
+            <p:nvPr/>
+          </p:nvSpPr>
+          <p:spPr>
+            <a:xfrm>
+              <a:off x="-118626" y="-745137"/>
+              <a:ext cx="11650893" cy="8632607"/>
+            </a:xfrm>
+            <a:prstGeom prst="mathMultiply">
+              <a:avLst>
+                <a:gd name="adj1" fmla="val 4143"/>
+              </a:avLst>
+            </a:prstGeom>
+            <a:solidFill>
+              <a:srgbClr val="FF0000">
+                <a:alpha val="75000"/>
+              </a:srgbClr>
+            </a:solidFill>
+            <a:ln>
+              <a:noFill/>
+            </a:ln>
+          </p:spPr>
+          <p:style>
+            <a:lnRef idx="2">
+              <a:schemeClr val="accent1">
+                <a:shade val="50000"/>
+              </a:schemeClr>
+            </a:lnRef>
+            <a:fillRef idx="1">
+              <a:schemeClr val="accent1"/>
+            </a:fillRef>
+            <a:effectRef idx="0">
+              <a:schemeClr val="accent1"/>
+            </a:effectRef>
+            <a:fontRef idx="minor">
+              <a:schemeClr val="lt1"/>
+            </a:fontRef>
+          </p:style>
+          <p:txBody>
+            <a:bodyPr rtlCol="0" anchor="ctr"/>
+            <a:lstStyle/>
+            <a:p>
+              <a:pPr algn="ctr"/>
+              <a:endParaRPr kumimoji="1" lang="ja-JP" altLang="en-US"/>
+            </a:p>
+          </p:txBody>
+        </p:sp>
+      </p:grpSp>
+    </p:spTree>
+    <p:extLst>
+      <p:ext uri="{BB962C8B-B14F-4D97-AF65-F5344CB8AC3E}">
+        <p14:creationId xmlns:p14="http://schemas.microsoft.com/office/powerpoint/2010/main" val="2894913431"/>
+      </p:ext>
+    </p:extLst>
+  </p:cSld>
+  <p:clrMapOvr>
+    <a:masterClrMapping/>
+  </p:clrMapOvr>
+</p:sld>
+</file>
+
+<file path=ppt/slides/slide4.xml><?xml version="1.0" encoding="utf-8"?>
+<p:sld xmlns:a="http://schemas.openxmlformats.org/drawingml/2006/main" xmlns:r="http://schemas.openxmlformats.org/officeDocument/2006/relationships" xmlns:p="http://schemas.openxmlformats.org/presentationml/2006/main">
+  <p:cSld>
+    <p:spTree>
+      <p:nvGrpSpPr>
+        <p:cNvPr id="1" name=""/>
+        <p:cNvGrpSpPr/>
+        <p:nvPr/>
+      </p:nvGrpSpPr>
+      <p:grpSpPr>
+        <a:xfrm>
+          <a:off x="0" y="0"/>
+          <a:ext cx="0" cy="0"/>
+          <a:chOff x="0" y="0"/>
+          <a:chExt cx="0" cy="0"/>
+        </a:xfrm>
+      </p:grpSpPr>
+      <p:pic>
+        <p:nvPicPr>
+          <p:cNvPr id="4" name="図 3"/>
+          <p:cNvPicPr>
+            <a:picLocks noChangeAspect="1"/>
+          </p:cNvPicPr>
+          <p:nvPr/>
+        </p:nvPicPr>
+        <p:blipFill>
+          <a:blip r:embed="rId2" cstate="print">
+            <a:extLst>
+              <a:ext uri="{28A0092B-C50C-407E-A947-70E740481C1C}">
+                <a14:useLocalDpi xmlns:a14="http://schemas.microsoft.com/office/drawing/2010/main" val="0"/>
+              </a:ext>
+            </a:extLst>
+          </a:blip>
+          <a:stretch>
+            <a:fillRect/>
+          </a:stretch>
+        </p:blipFill>
+        <p:spPr>
+          <a:xfrm rot="10800000">
+            <a:off x="4315176" y="-245533"/>
+            <a:ext cx="6479823" cy="4859867"/>
+          </a:xfrm>
+          <a:prstGeom prst="rect">
+            <a:avLst/>
+          </a:prstGeom>
+        </p:spPr>
+      </p:pic>
+    </p:spTree>
+    <p:extLst>
+      <p:ext uri="{BB962C8B-B14F-4D97-AF65-F5344CB8AC3E}">
+        <p14:creationId xmlns:p14="http://schemas.microsoft.com/office/powerpoint/2010/main" val="1683695509"/>
+      </p:ext>
+    </p:extLst>
+  </p:cSld>
+  <p:clrMapOvr>
+    <a:masterClrMapping/>
+  </p:clrMapOvr>
+</p:sld>
+</file>
+
 <file path=ppt/theme/theme1.xml><?xml version="1.0" encoding="utf-8"?>
 <a:theme xmlns:a="http://schemas.openxmlformats.org/drawingml/2006/main" name="Office テーマ">
   <a:themeElements>

--- a/manual/配線方法説明/AI-CHIP配線概略図.pptx
+++ b/manual/配線方法説明/AI-CHIP配線概略図.pptx
@@ -246,7 +246,7 @@
           <a:p>
             <a:fld id="{C1F6520D-2A16-475B-9E22-40A499E4FAF8}" type="datetimeFigureOut">
               <a:rPr kumimoji="1" lang="ja-JP" altLang="en-US" smtClean="0"/>
-              <a:t>2015/11/19</a:t>
+              <a:t>2015/11/25</a:t>
             </a:fld>
             <a:endParaRPr kumimoji="1" lang="ja-JP" altLang="en-US"/>
           </a:p>
@@ -448,7 +448,7 @@
           <a:p>
             <a:fld id="{C1F6520D-2A16-475B-9E22-40A499E4FAF8}" type="datetimeFigureOut">
               <a:rPr kumimoji="1" lang="ja-JP" altLang="en-US" smtClean="0"/>
-              <a:t>2015/11/19</a:t>
+              <a:t>2015/11/25</a:t>
             </a:fld>
             <a:endParaRPr kumimoji="1" lang="ja-JP" altLang="en-US"/>
           </a:p>
@@ -660,7 +660,7 @@
           <a:p>
             <a:fld id="{C1F6520D-2A16-475B-9E22-40A499E4FAF8}" type="datetimeFigureOut">
               <a:rPr kumimoji="1" lang="ja-JP" altLang="en-US" smtClean="0"/>
-              <a:t>2015/11/19</a:t>
+              <a:t>2015/11/25</a:t>
             </a:fld>
             <a:endParaRPr kumimoji="1" lang="ja-JP" altLang="en-US"/>
           </a:p>
@@ -862,7 +862,7 @@
           <a:p>
             <a:fld id="{C1F6520D-2A16-475B-9E22-40A499E4FAF8}" type="datetimeFigureOut">
               <a:rPr kumimoji="1" lang="ja-JP" altLang="en-US" smtClean="0"/>
-              <a:t>2015/11/19</a:t>
+              <a:t>2015/11/25</a:t>
             </a:fld>
             <a:endParaRPr kumimoji="1" lang="ja-JP" altLang="en-US"/>
           </a:p>
@@ -1108,7 +1108,7 @@
           <a:p>
             <a:fld id="{C1F6520D-2A16-475B-9E22-40A499E4FAF8}" type="datetimeFigureOut">
               <a:rPr kumimoji="1" lang="ja-JP" altLang="en-US" smtClean="0"/>
-              <a:t>2015/11/19</a:t>
+              <a:t>2015/11/25</a:t>
             </a:fld>
             <a:endParaRPr kumimoji="1" lang="ja-JP" altLang="en-US"/>
           </a:p>
@@ -1404,7 +1404,7 @@
           <a:p>
             <a:fld id="{C1F6520D-2A16-475B-9E22-40A499E4FAF8}" type="datetimeFigureOut">
               <a:rPr kumimoji="1" lang="ja-JP" altLang="en-US" smtClean="0"/>
-              <a:t>2015/11/19</a:t>
+              <a:t>2015/11/25</a:t>
             </a:fld>
             <a:endParaRPr kumimoji="1" lang="ja-JP" altLang="en-US"/>
           </a:p>
@@ -1835,7 +1835,7 @@
           <a:p>
             <a:fld id="{C1F6520D-2A16-475B-9E22-40A499E4FAF8}" type="datetimeFigureOut">
               <a:rPr kumimoji="1" lang="ja-JP" altLang="en-US" smtClean="0"/>
-              <a:t>2015/11/19</a:t>
+              <a:t>2015/11/25</a:t>
             </a:fld>
             <a:endParaRPr kumimoji="1" lang="ja-JP" altLang="en-US"/>
           </a:p>
@@ -1953,7 +1953,7 @@
           <a:p>
             <a:fld id="{C1F6520D-2A16-475B-9E22-40A499E4FAF8}" type="datetimeFigureOut">
               <a:rPr kumimoji="1" lang="ja-JP" altLang="en-US" smtClean="0"/>
-              <a:t>2015/11/19</a:t>
+              <a:t>2015/11/25</a:t>
             </a:fld>
             <a:endParaRPr kumimoji="1" lang="ja-JP" altLang="en-US"/>
           </a:p>
@@ -2048,7 +2048,7 @@
           <a:p>
             <a:fld id="{C1F6520D-2A16-475B-9E22-40A499E4FAF8}" type="datetimeFigureOut">
               <a:rPr kumimoji="1" lang="ja-JP" altLang="en-US" smtClean="0"/>
-              <a:t>2015/11/19</a:t>
+              <a:t>2015/11/25</a:t>
             </a:fld>
             <a:endParaRPr kumimoji="1" lang="ja-JP" altLang="en-US"/>
           </a:p>
@@ -2357,7 +2357,7 @@
           <a:p>
             <a:fld id="{C1F6520D-2A16-475B-9E22-40A499E4FAF8}" type="datetimeFigureOut">
               <a:rPr kumimoji="1" lang="ja-JP" altLang="en-US" smtClean="0"/>
-              <a:t>2015/11/19</a:t>
+              <a:t>2015/11/25</a:t>
             </a:fld>
             <a:endParaRPr kumimoji="1" lang="ja-JP" altLang="en-US"/>
           </a:p>
@@ -2610,7 +2610,7 @@
           <a:p>
             <a:fld id="{C1F6520D-2A16-475B-9E22-40A499E4FAF8}" type="datetimeFigureOut">
               <a:rPr kumimoji="1" lang="ja-JP" altLang="en-US" smtClean="0"/>
-              <a:t>2015/11/19</a:t>
+              <a:t>2015/11/25</a:t>
             </a:fld>
             <a:endParaRPr kumimoji="1" lang="ja-JP" altLang="en-US"/>
           </a:p>
@@ -2855,7 +2855,7 @@
           <a:p>
             <a:fld id="{C1F6520D-2A16-475B-9E22-40A499E4FAF8}" type="datetimeFigureOut">
               <a:rPr kumimoji="1" lang="ja-JP" altLang="en-US" smtClean="0"/>
-              <a:t>2015/11/19</a:t>
+              <a:t>2015/11/25</a:t>
             </a:fld>
             <a:endParaRPr kumimoji="1" lang="ja-JP" altLang="en-US"/>
           </a:p>
@@ -3262,7 +3262,7 @@
       </p:grpSpPr>
       <p:grpSp>
         <p:nvGrpSpPr>
-          <p:cNvPr id="69" name="グループ化 68"/>
+          <p:cNvPr id="70" name="グループ化 69"/>
           <p:cNvGrpSpPr/>
           <p:nvPr/>
         </p:nvGrpSpPr>
@@ -3270,242 +3270,43 @@
           <a:xfrm>
             <a:off x="1303158" y="520700"/>
             <a:ext cx="7708900" cy="5499100"/>
-            <a:chOff x="1303158" y="520700"/>
+            <a:chOff x="1256339" y="-31049"/>
             <a:chExt cx="7708900" cy="5499100"/>
           </a:xfrm>
         </p:grpSpPr>
         <p:grpSp>
           <p:nvGrpSpPr>
-            <p:cNvPr id="70" name="グループ化 69"/>
+            <p:cNvPr id="81" name="グループ化 80"/>
             <p:cNvGrpSpPr/>
             <p:nvPr/>
           </p:nvGrpSpPr>
           <p:grpSpPr>
             <a:xfrm>
-              <a:off x="1303158" y="520700"/>
-              <a:ext cx="7708900" cy="5499100"/>
-              <a:chOff x="1256339" y="-31049"/>
-              <a:chExt cx="7708900" cy="5499100"/>
+              <a:off x="7189409" y="3024241"/>
+              <a:ext cx="1076476" cy="416615"/>
+              <a:chOff x="1521581" y="4062257"/>
+              <a:chExt cx="1044054" cy="379824"/>
             </a:xfrm>
           </p:grpSpPr>
-          <p:grpSp>
-            <p:nvGrpSpPr>
-              <p:cNvPr id="81" name="グループ化 80"/>
-              <p:cNvGrpSpPr/>
-              <p:nvPr/>
-            </p:nvGrpSpPr>
-            <p:grpSpPr>
-              <a:xfrm>
-                <a:off x="7189409" y="3024241"/>
-                <a:ext cx="1076476" cy="416615"/>
-                <a:chOff x="1521581" y="4062257"/>
-                <a:chExt cx="1044054" cy="379824"/>
-              </a:xfrm>
-            </p:grpSpPr>
-            <p:sp>
-              <p:nvSpPr>
-                <p:cNvPr id="100" name="正方形/長方形 99"/>
-                <p:cNvSpPr/>
-                <p:nvPr/>
-              </p:nvSpPr>
-              <p:spPr>
-                <a:xfrm>
-                  <a:off x="1779592" y="4165065"/>
-                  <a:ext cx="528033" cy="51515"/>
-                </a:xfrm>
-                <a:prstGeom prst="rect">
-                  <a:avLst/>
-                </a:prstGeom>
-                <a:solidFill>
-                  <a:schemeClr val="tx1"/>
-                </a:solidFill>
-                <a:ln>
-                  <a:noFill/>
-                </a:ln>
-              </p:spPr>
-              <p:style>
-                <a:lnRef idx="2">
-                  <a:schemeClr val="accent1">
-                    <a:shade val="50000"/>
-                  </a:schemeClr>
-                </a:lnRef>
-                <a:fillRef idx="1">
-                  <a:schemeClr val="accent1"/>
-                </a:fillRef>
-                <a:effectRef idx="0">
-                  <a:schemeClr val="accent1"/>
-                </a:effectRef>
-                <a:fontRef idx="minor">
-                  <a:schemeClr val="lt1"/>
-                </a:fontRef>
-              </p:style>
-              <p:txBody>
-                <a:bodyPr rtlCol="0" anchor="ctr"/>
-                <a:lstStyle/>
-                <a:p>
-                  <a:pPr algn="ctr"/>
-                  <a:endParaRPr kumimoji="1" lang="ja-JP" altLang="en-US"/>
-                </a:p>
-              </p:txBody>
-            </p:sp>
-            <p:sp>
-              <p:nvSpPr>
-                <p:cNvPr id="101" name="正方形/長方形 100"/>
-                <p:cNvSpPr/>
-                <p:nvPr/>
-              </p:nvSpPr>
-              <p:spPr>
-                <a:xfrm>
-                  <a:off x="1521581" y="4062257"/>
-                  <a:ext cx="1044054" cy="45719"/>
-                </a:xfrm>
-                <a:prstGeom prst="rect">
-                  <a:avLst/>
-                </a:prstGeom>
-                <a:solidFill>
-                  <a:schemeClr val="tx1"/>
-                </a:solidFill>
-                <a:ln>
-                  <a:noFill/>
-                </a:ln>
-              </p:spPr>
-              <p:style>
-                <a:lnRef idx="2">
-                  <a:schemeClr val="accent1">
-                    <a:shade val="50000"/>
-                  </a:schemeClr>
-                </a:lnRef>
-                <a:fillRef idx="1">
-                  <a:schemeClr val="accent1"/>
-                </a:fillRef>
-                <a:effectRef idx="0">
-                  <a:schemeClr val="accent1"/>
-                </a:effectRef>
-                <a:fontRef idx="minor">
-                  <a:schemeClr val="lt1"/>
-                </a:fontRef>
-              </p:style>
-              <p:txBody>
-                <a:bodyPr rtlCol="0" anchor="ctr"/>
-                <a:lstStyle/>
-                <a:p>
-                  <a:pPr algn="ctr"/>
-                  <a:endParaRPr kumimoji="1" lang="ja-JP" altLang="en-US"/>
-                </a:p>
-              </p:txBody>
-            </p:sp>
-            <p:sp>
-              <p:nvSpPr>
-                <p:cNvPr id="102" name="正方形/長方形 101"/>
-                <p:cNvSpPr/>
-                <p:nvPr/>
-              </p:nvSpPr>
-              <p:spPr>
-                <a:xfrm>
-                  <a:off x="1779592" y="4390566"/>
-                  <a:ext cx="528033" cy="51515"/>
-                </a:xfrm>
-                <a:prstGeom prst="rect">
-                  <a:avLst/>
-                </a:prstGeom>
-                <a:solidFill>
-                  <a:schemeClr val="tx1"/>
-                </a:solidFill>
-                <a:ln>
-                  <a:noFill/>
-                </a:ln>
-              </p:spPr>
-              <p:style>
-                <a:lnRef idx="2">
-                  <a:schemeClr val="accent1">
-                    <a:shade val="50000"/>
-                  </a:schemeClr>
-                </a:lnRef>
-                <a:fillRef idx="1">
-                  <a:schemeClr val="accent1"/>
-                </a:fillRef>
-                <a:effectRef idx="0">
-                  <a:schemeClr val="accent1"/>
-                </a:effectRef>
-                <a:fontRef idx="minor">
-                  <a:schemeClr val="lt1"/>
-                </a:fontRef>
-              </p:style>
-              <p:txBody>
-                <a:bodyPr rtlCol="0" anchor="ctr"/>
-                <a:lstStyle/>
-                <a:p>
-                  <a:pPr algn="ctr"/>
-                  <a:endParaRPr kumimoji="1" lang="ja-JP" altLang="en-US"/>
-                </a:p>
-              </p:txBody>
-            </p:sp>
-            <p:sp>
-              <p:nvSpPr>
-                <p:cNvPr id="103" name="正方形/長方形 102"/>
-                <p:cNvSpPr/>
-                <p:nvPr/>
-              </p:nvSpPr>
-              <p:spPr>
-                <a:xfrm>
-                  <a:off x="1521581" y="4287758"/>
-                  <a:ext cx="1044054" cy="45719"/>
-                </a:xfrm>
-                <a:prstGeom prst="rect">
-                  <a:avLst/>
-                </a:prstGeom>
-                <a:solidFill>
-                  <a:schemeClr val="tx1"/>
-                </a:solidFill>
-                <a:ln>
-                  <a:noFill/>
-                </a:ln>
-              </p:spPr>
-              <p:style>
-                <a:lnRef idx="2">
-                  <a:schemeClr val="accent1">
-                    <a:shade val="50000"/>
-                  </a:schemeClr>
-                </a:lnRef>
-                <a:fillRef idx="1">
-                  <a:schemeClr val="accent1"/>
-                </a:fillRef>
-                <a:effectRef idx="0">
-                  <a:schemeClr val="accent1"/>
-                </a:effectRef>
-                <a:fontRef idx="minor">
-                  <a:schemeClr val="lt1"/>
-                </a:fontRef>
-              </p:style>
-              <p:txBody>
-                <a:bodyPr rtlCol="0" anchor="ctr"/>
-                <a:lstStyle/>
-                <a:p>
-                  <a:pPr algn="ctr"/>
-                  <a:endParaRPr kumimoji="1" lang="ja-JP" altLang="en-US"/>
-                </a:p>
-              </p:txBody>
-            </p:sp>
-          </p:grpSp>
           <p:sp>
             <p:nvSpPr>
-              <p:cNvPr id="82" name="円/楕円 81"/>
+              <p:cNvPr id="100" name="正方形/長方形 99"/>
               <p:cNvSpPr/>
               <p:nvPr/>
             </p:nvSpPr>
             <p:spPr>
               <a:xfrm>
-                <a:off x="1858013" y="2483856"/>
-                <a:ext cx="1440180" cy="1360170"/>
+                <a:off x="1779592" y="4165065"/>
+                <a:ext cx="528033" cy="51515"/>
               </a:xfrm>
-              <a:prstGeom prst="ellipse">
+              <a:prstGeom prst="rect">
                 <a:avLst/>
               </a:prstGeom>
-              <a:noFill/>
-              <a:ln w="38100">
-                <a:solidFill>
-                  <a:schemeClr val="tx1"/>
-                </a:solidFill>
+              <a:solidFill>
+                <a:schemeClr val="tx1"/>
+              </a:solidFill>
+              <a:ln>
+                <a:noFill/>
               </a:ln>
             </p:spPr>
             <p:style>
@@ -3529,155 +3330,245 @@
               <a:lstStyle/>
               <a:p>
                 <a:pPr algn="ctr"/>
-                <a:r>
-                  <a:rPr kumimoji="1" lang="en-US" altLang="ja-JP" sz="4800" b="1" dirty="0" smtClean="0">
-                    <a:solidFill>
-                      <a:schemeClr val="tx1"/>
-                    </a:solidFill>
-                  </a:rPr>
-                  <a:t>M</a:t>
-                </a:r>
-                <a:endParaRPr kumimoji="1" lang="ja-JP" altLang="en-US" sz="4800" b="1" dirty="0">
+                <a:endParaRPr kumimoji="1" lang="ja-JP" altLang="en-US"/>
+              </a:p>
+            </p:txBody>
+          </p:sp>
+          <p:sp>
+            <p:nvSpPr>
+              <p:cNvPr id="101" name="正方形/長方形 100"/>
+              <p:cNvSpPr/>
+              <p:nvPr/>
+            </p:nvSpPr>
+            <p:spPr>
+              <a:xfrm>
+                <a:off x="1521581" y="4062257"/>
+                <a:ext cx="1044054" cy="45719"/>
+              </a:xfrm>
+              <a:prstGeom prst="rect">
+                <a:avLst/>
+              </a:prstGeom>
+              <a:solidFill>
+                <a:schemeClr val="tx1"/>
+              </a:solidFill>
+              <a:ln>
+                <a:noFill/>
+              </a:ln>
+            </p:spPr>
+            <p:style>
+              <a:lnRef idx="2">
+                <a:schemeClr val="accent1">
+                  <a:shade val="50000"/>
+                </a:schemeClr>
+              </a:lnRef>
+              <a:fillRef idx="1">
+                <a:schemeClr val="accent1"/>
+              </a:fillRef>
+              <a:effectRef idx="0">
+                <a:schemeClr val="accent1"/>
+              </a:effectRef>
+              <a:fontRef idx="minor">
+                <a:schemeClr val="lt1"/>
+              </a:fontRef>
+            </p:style>
+            <p:txBody>
+              <a:bodyPr rtlCol="0" anchor="ctr"/>
+              <a:lstStyle/>
+              <a:p>
+                <a:pPr algn="ctr"/>
+                <a:endParaRPr kumimoji="1" lang="ja-JP" altLang="en-US"/>
+              </a:p>
+            </p:txBody>
+          </p:sp>
+          <p:sp>
+            <p:nvSpPr>
+              <p:cNvPr id="102" name="正方形/長方形 101"/>
+              <p:cNvSpPr/>
+              <p:nvPr/>
+            </p:nvSpPr>
+            <p:spPr>
+              <a:xfrm>
+                <a:off x="1779592" y="4390566"/>
+                <a:ext cx="528033" cy="51515"/>
+              </a:xfrm>
+              <a:prstGeom prst="rect">
+                <a:avLst/>
+              </a:prstGeom>
+              <a:solidFill>
+                <a:schemeClr val="tx1"/>
+              </a:solidFill>
+              <a:ln>
+                <a:noFill/>
+              </a:ln>
+            </p:spPr>
+            <p:style>
+              <a:lnRef idx="2">
+                <a:schemeClr val="accent1">
+                  <a:shade val="50000"/>
+                </a:schemeClr>
+              </a:lnRef>
+              <a:fillRef idx="1">
+                <a:schemeClr val="accent1"/>
+              </a:fillRef>
+              <a:effectRef idx="0">
+                <a:schemeClr val="accent1"/>
+              </a:effectRef>
+              <a:fontRef idx="minor">
+                <a:schemeClr val="lt1"/>
+              </a:fontRef>
+            </p:style>
+            <p:txBody>
+              <a:bodyPr rtlCol="0" anchor="ctr"/>
+              <a:lstStyle/>
+              <a:p>
+                <a:pPr algn="ctr"/>
+                <a:endParaRPr kumimoji="1" lang="ja-JP" altLang="en-US"/>
+              </a:p>
+            </p:txBody>
+          </p:sp>
+          <p:sp>
+            <p:nvSpPr>
+              <p:cNvPr id="103" name="正方形/長方形 102"/>
+              <p:cNvSpPr/>
+              <p:nvPr/>
+            </p:nvSpPr>
+            <p:spPr>
+              <a:xfrm>
+                <a:off x="1521581" y="4287758"/>
+                <a:ext cx="1044054" cy="45719"/>
+              </a:xfrm>
+              <a:prstGeom prst="rect">
+                <a:avLst/>
+              </a:prstGeom>
+              <a:solidFill>
+                <a:schemeClr val="tx1"/>
+              </a:solidFill>
+              <a:ln>
+                <a:noFill/>
+              </a:ln>
+            </p:spPr>
+            <p:style>
+              <a:lnRef idx="2">
+                <a:schemeClr val="accent1">
+                  <a:shade val="50000"/>
+                </a:schemeClr>
+              </a:lnRef>
+              <a:fillRef idx="1">
+                <a:schemeClr val="accent1"/>
+              </a:fillRef>
+              <a:effectRef idx="0">
+                <a:schemeClr val="accent1"/>
+              </a:effectRef>
+              <a:fontRef idx="minor">
+                <a:schemeClr val="lt1"/>
+              </a:fontRef>
+            </p:style>
+            <p:txBody>
+              <a:bodyPr rtlCol="0" anchor="ctr"/>
+              <a:lstStyle/>
+              <a:p>
+                <a:pPr algn="ctr"/>
+                <a:endParaRPr kumimoji="1" lang="ja-JP" altLang="en-US"/>
+              </a:p>
+            </p:txBody>
+          </p:sp>
+        </p:grpSp>
+        <p:sp>
+          <p:nvSpPr>
+            <p:cNvPr id="82" name="円/楕円 81"/>
+            <p:cNvSpPr/>
+            <p:nvPr/>
+          </p:nvSpPr>
+          <p:spPr>
+            <a:xfrm>
+              <a:off x="1858013" y="2483856"/>
+              <a:ext cx="1440180" cy="1360170"/>
+            </a:xfrm>
+            <a:prstGeom prst="ellipse">
+              <a:avLst/>
+            </a:prstGeom>
+            <a:noFill/>
+            <a:ln w="38100">
+              <a:solidFill>
+                <a:schemeClr val="tx1"/>
+              </a:solidFill>
+            </a:ln>
+          </p:spPr>
+          <p:style>
+            <a:lnRef idx="2">
+              <a:schemeClr val="accent1">
+                <a:shade val="50000"/>
+              </a:schemeClr>
+            </a:lnRef>
+            <a:fillRef idx="1">
+              <a:schemeClr val="accent1"/>
+            </a:fillRef>
+            <a:effectRef idx="0">
+              <a:schemeClr val="accent1"/>
+            </a:effectRef>
+            <a:fontRef idx="minor">
+              <a:schemeClr val="lt1"/>
+            </a:fontRef>
+          </p:style>
+          <p:txBody>
+            <a:bodyPr rtlCol="0" anchor="ctr"/>
+            <a:lstStyle/>
+            <a:p>
+              <a:pPr algn="ctr"/>
+              <a:r>
+                <a:rPr kumimoji="1" lang="en-US" altLang="ja-JP" sz="4800" b="1" dirty="0" smtClean="0">
                   <a:solidFill>
                     <a:schemeClr val="tx1"/>
                   </a:solidFill>
-                </a:endParaRPr>
-              </a:p>
-            </p:txBody>
-          </p:sp>
+                </a:rPr>
+                <a:t>M</a:t>
+              </a:r>
+              <a:endParaRPr kumimoji="1" lang="ja-JP" altLang="en-US" sz="4800" b="1" dirty="0">
+                <a:solidFill>
+                  <a:schemeClr val="tx1"/>
+                </a:solidFill>
+              </a:endParaRPr>
+            </a:p>
+          </p:txBody>
+        </p:sp>
+        <p:grpSp>
+          <p:nvGrpSpPr>
+            <p:cNvPr id="83" name="グループ化 82"/>
+            <p:cNvGrpSpPr/>
+            <p:nvPr/>
+          </p:nvGrpSpPr>
+          <p:grpSpPr>
+            <a:xfrm>
+              <a:off x="4012240" y="1768134"/>
+              <a:ext cx="2197100" cy="3345444"/>
+              <a:chOff x="4012240" y="1493256"/>
+              <a:chExt cx="2197100" cy="3345444"/>
+            </a:xfrm>
+          </p:grpSpPr>
           <p:grpSp>
             <p:nvGrpSpPr>
-              <p:cNvPr id="83" name="グループ化 82"/>
+              <p:cNvPr id="95" name="グループ化 94"/>
               <p:cNvGrpSpPr/>
               <p:nvPr/>
             </p:nvGrpSpPr>
             <p:grpSpPr>
               <a:xfrm>
-                <a:off x="4012240" y="1768134"/>
-                <a:ext cx="2197100" cy="3345444"/>
-                <a:chOff x="4012240" y="1493256"/>
-                <a:chExt cx="2197100" cy="3345444"/>
+                <a:off x="4012240" y="2110476"/>
+                <a:ext cx="2197100" cy="2728224"/>
+                <a:chOff x="6337300" y="2032000"/>
+                <a:chExt cx="2197100" cy="3467100"/>
               </a:xfrm>
             </p:grpSpPr>
-            <p:grpSp>
-              <p:nvGrpSpPr>
-                <p:cNvPr id="95" name="グループ化 94"/>
-                <p:cNvGrpSpPr/>
-                <p:nvPr/>
-              </p:nvGrpSpPr>
-              <p:grpSpPr>
-                <a:xfrm>
-                  <a:off x="4012240" y="2110476"/>
-                  <a:ext cx="2197100" cy="2728224"/>
-                  <a:chOff x="6337300" y="2032000"/>
-                  <a:chExt cx="2197100" cy="3467100"/>
-                </a:xfrm>
-              </p:grpSpPr>
-              <p:sp>
-                <p:nvSpPr>
-                  <p:cNvPr id="98" name="正方形/長方形 97"/>
-                  <p:cNvSpPr/>
-                  <p:nvPr/>
-                </p:nvSpPr>
-                <p:spPr>
-                  <a:xfrm>
-                    <a:off x="6337300" y="2032000"/>
-                    <a:ext cx="2197100" cy="3467100"/>
-                  </a:xfrm>
-                  <a:prstGeom prst="rect">
-                    <a:avLst/>
-                  </a:prstGeom>
-                  <a:solidFill>
-                    <a:schemeClr val="bg2">
-                      <a:lumMod val="50000"/>
-                    </a:schemeClr>
-                  </a:solidFill>
-                  <a:ln>
-                    <a:noFill/>
-                  </a:ln>
-                </p:spPr>
-                <p:style>
-                  <a:lnRef idx="2">
-                    <a:schemeClr val="accent1">
-                      <a:shade val="50000"/>
-                    </a:schemeClr>
-                  </a:lnRef>
-                  <a:fillRef idx="1">
-                    <a:schemeClr val="accent1"/>
-                  </a:fillRef>
-                  <a:effectRef idx="0">
-                    <a:schemeClr val="accent1"/>
-                  </a:effectRef>
-                  <a:fontRef idx="minor">
-                    <a:schemeClr val="lt1"/>
-                  </a:fontRef>
-                </p:style>
-                <p:txBody>
-                  <a:bodyPr rtlCol="0" anchor="ctr"/>
-                  <a:lstStyle/>
-                  <a:p>
-                    <a:pPr algn="ctr"/>
-                    <a:endParaRPr kumimoji="1" lang="ja-JP" altLang="en-US"/>
-                  </a:p>
-                </p:txBody>
-              </p:sp>
-              <p:sp>
-                <p:nvSpPr>
-                  <p:cNvPr id="99" name="正方形/長方形 98"/>
-                  <p:cNvSpPr/>
-                  <p:nvPr/>
-                </p:nvSpPr>
-                <p:spPr>
-                  <a:xfrm>
-                    <a:off x="6845300" y="4152900"/>
-                    <a:ext cx="1181100" cy="1104900"/>
-                  </a:xfrm>
-                  <a:prstGeom prst="rect">
-                    <a:avLst/>
-                  </a:prstGeom>
-                  <a:solidFill>
-                    <a:schemeClr val="bg1"/>
-                  </a:solidFill>
-                  <a:ln>
-                    <a:noFill/>
-                  </a:ln>
-                </p:spPr>
-                <p:style>
-                  <a:lnRef idx="2">
-                    <a:schemeClr val="accent1">
-                      <a:shade val="50000"/>
-                    </a:schemeClr>
-                  </a:lnRef>
-                  <a:fillRef idx="1">
-                    <a:schemeClr val="accent1"/>
-                  </a:fillRef>
-                  <a:effectRef idx="0">
-                    <a:schemeClr val="accent1"/>
-                  </a:effectRef>
-                  <a:fontRef idx="minor">
-                    <a:schemeClr val="lt1"/>
-                  </a:fontRef>
-                </p:style>
-                <p:txBody>
-                  <a:bodyPr rtlCol="0" anchor="ctr"/>
-                  <a:lstStyle/>
-                  <a:p>
-                    <a:pPr algn="ctr"/>
-                    <a:endParaRPr kumimoji="1" lang="ja-JP" altLang="en-US"/>
-                  </a:p>
-                </p:txBody>
-              </p:sp>
-            </p:grpSp>
             <p:sp>
               <p:nvSpPr>
-                <p:cNvPr id="96" name="正方形/長方形 95"/>
+                <p:cNvPr id="98" name="正方形/長方形 97"/>
                 <p:cNvSpPr/>
                 <p:nvPr/>
               </p:nvSpPr>
               <p:spPr>
                 <a:xfrm>
-                  <a:off x="4425470" y="1493256"/>
-                  <a:ext cx="1370640" cy="990600"/>
+                  <a:off x="6337300" y="2032000"/>
+                  <a:ext cx="2197100" cy="3467100"/>
                 </a:xfrm>
                 <a:prstGeom prst="rect">
                   <a:avLst/>
@@ -3718,22 +3609,20 @@
             </p:sp>
             <p:sp>
               <p:nvSpPr>
-                <p:cNvPr id="97" name="正方形/長方形 96"/>
+                <p:cNvPr id="99" name="正方形/長方形 98"/>
                 <p:cNvSpPr/>
                 <p:nvPr/>
               </p:nvSpPr>
               <p:spPr>
                 <a:xfrm>
-                  <a:off x="4903300" y="3779390"/>
-                  <a:ext cx="414979" cy="414567"/>
+                  <a:off x="6845300" y="4152900"/>
+                  <a:ext cx="1181100" cy="1104900"/>
                 </a:xfrm>
                 <a:prstGeom prst="rect">
                   <a:avLst/>
                 </a:prstGeom>
                 <a:solidFill>
-                  <a:schemeClr val="bg2">
-                    <a:lumMod val="50000"/>
-                  </a:schemeClr>
+                  <a:schemeClr val="bg1"/>
                 </a:solidFill>
                 <a:ln>
                   <a:noFill/>
@@ -3765,961 +3654,24 @@
               </p:txBody>
             </p:sp>
           </p:grpSp>
-          <p:grpSp>
-            <p:nvGrpSpPr>
-              <p:cNvPr id="84" name="グループ化 83"/>
-              <p:cNvGrpSpPr/>
-              <p:nvPr/>
-            </p:nvGrpSpPr>
-            <p:grpSpPr>
-              <a:xfrm>
-                <a:off x="4513407" y="1828088"/>
-                <a:ext cx="389893" cy="497312"/>
-                <a:chOff x="4255966" y="2268767"/>
-                <a:chExt cx="558800" cy="430178"/>
-              </a:xfrm>
-            </p:grpSpPr>
-            <p:sp>
-              <p:nvSpPr>
-                <p:cNvPr id="93" name="円/楕円 92"/>
-                <p:cNvSpPr/>
-                <p:nvPr/>
-              </p:nvSpPr>
-              <p:spPr>
-                <a:xfrm>
-                  <a:off x="4255966" y="2268767"/>
-                  <a:ext cx="228600" cy="430178"/>
-                </a:xfrm>
-                <a:prstGeom prst="ellipse">
-                  <a:avLst/>
-                </a:prstGeom>
-                <a:solidFill>
-                  <a:schemeClr val="bg1">
-                    <a:lumMod val="75000"/>
-                  </a:schemeClr>
-                </a:solidFill>
-                <a:ln>
-                  <a:noFill/>
-                </a:ln>
-              </p:spPr>
-              <p:style>
-                <a:lnRef idx="2">
-                  <a:schemeClr val="accent1">
-                    <a:shade val="50000"/>
-                  </a:schemeClr>
-                </a:lnRef>
-                <a:fillRef idx="1">
-                  <a:schemeClr val="accent1"/>
-                </a:fillRef>
-                <a:effectRef idx="0">
-                  <a:schemeClr val="accent1"/>
-                </a:effectRef>
-                <a:fontRef idx="minor">
-                  <a:schemeClr val="lt1"/>
-                </a:fontRef>
-              </p:style>
-              <p:txBody>
-                <a:bodyPr rtlCol="0" anchor="ctr"/>
-                <a:lstStyle/>
-                <a:p>
-                  <a:pPr algn="ctr"/>
-                  <a:endParaRPr kumimoji="1" lang="ja-JP" altLang="en-US">
-                    <a:solidFill>
-                      <a:schemeClr val="accent3">
-                        <a:lumMod val="75000"/>
-                      </a:schemeClr>
-                    </a:solidFill>
-                  </a:endParaRPr>
-                </a:p>
-              </p:txBody>
-            </p:sp>
-            <p:sp>
-              <p:nvSpPr>
-                <p:cNvPr id="94" name="円/楕円 93"/>
-                <p:cNvSpPr/>
-                <p:nvPr/>
-              </p:nvSpPr>
-              <p:spPr>
-                <a:xfrm>
-                  <a:off x="4586166" y="2268767"/>
-                  <a:ext cx="228600" cy="430178"/>
-                </a:xfrm>
-                <a:prstGeom prst="ellipse">
-                  <a:avLst/>
-                </a:prstGeom>
-                <a:solidFill>
-                  <a:schemeClr val="bg1">
-                    <a:lumMod val="75000"/>
-                  </a:schemeClr>
-                </a:solidFill>
-                <a:ln>
-                  <a:noFill/>
-                </a:ln>
-              </p:spPr>
-              <p:style>
-                <a:lnRef idx="2">
-                  <a:schemeClr val="accent1">
-                    <a:shade val="50000"/>
-                  </a:schemeClr>
-                </a:lnRef>
-                <a:fillRef idx="1">
-                  <a:schemeClr val="accent1"/>
-                </a:fillRef>
-                <a:effectRef idx="0">
-                  <a:schemeClr val="accent1"/>
-                </a:effectRef>
-                <a:fontRef idx="minor">
-                  <a:schemeClr val="lt1"/>
-                </a:fontRef>
-              </p:style>
-              <p:txBody>
-                <a:bodyPr rtlCol="0" anchor="ctr"/>
-                <a:lstStyle/>
-                <a:p>
-                  <a:pPr algn="ctr"/>
-                  <a:endParaRPr kumimoji="1" lang="ja-JP" altLang="en-US">
-                    <a:solidFill>
-                      <a:schemeClr val="accent3">
-                        <a:lumMod val="75000"/>
-                      </a:schemeClr>
-                    </a:solidFill>
-                  </a:endParaRPr>
-                </a:p>
-              </p:txBody>
-            </p:sp>
-          </p:grpSp>
-          <p:grpSp>
-            <p:nvGrpSpPr>
-              <p:cNvPr id="85" name="グループ化 84"/>
-              <p:cNvGrpSpPr/>
-              <p:nvPr/>
-            </p:nvGrpSpPr>
-            <p:grpSpPr>
-              <a:xfrm>
-                <a:off x="5311447" y="1828088"/>
-                <a:ext cx="389893" cy="497312"/>
-                <a:chOff x="4255966" y="2268767"/>
-                <a:chExt cx="558800" cy="430178"/>
-              </a:xfrm>
-            </p:grpSpPr>
-            <p:sp>
-              <p:nvSpPr>
-                <p:cNvPr id="91" name="円/楕円 90"/>
-                <p:cNvSpPr/>
-                <p:nvPr/>
-              </p:nvSpPr>
-              <p:spPr>
-                <a:xfrm>
-                  <a:off x="4255966" y="2268767"/>
-                  <a:ext cx="228600" cy="430178"/>
-                </a:xfrm>
-                <a:prstGeom prst="ellipse">
-                  <a:avLst/>
-                </a:prstGeom>
-                <a:solidFill>
-                  <a:schemeClr val="bg1">
-                    <a:lumMod val="75000"/>
-                  </a:schemeClr>
-                </a:solidFill>
-                <a:ln>
-                  <a:noFill/>
-                </a:ln>
-              </p:spPr>
-              <p:style>
-                <a:lnRef idx="2">
-                  <a:schemeClr val="accent1">
-                    <a:shade val="50000"/>
-                  </a:schemeClr>
-                </a:lnRef>
-                <a:fillRef idx="1">
-                  <a:schemeClr val="accent1"/>
-                </a:fillRef>
-                <a:effectRef idx="0">
-                  <a:schemeClr val="accent1"/>
-                </a:effectRef>
-                <a:fontRef idx="minor">
-                  <a:schemeClr val="lt1"/>
-                </a:fontRef>
-              </p:style>
-              <p:txBody>
-                <a:bodyPr rtlCol="0" anchor="ctr"/>
-                <a:lstStyle/>
-                <a:p>
-                  <a:pPr algn="ctr"/>
-                  <a:endParaRPr kumimoji="1" lang="ja-JP" altLang="en-US">
-                    <a:solidFill>
-                      <a:schemeClr val="accent3">
-                        <a:lumMod val="75000"/>
-                      </a:schemeClr>
-                    </a:solidFill>
-                  </a:endParaRPr>
-                </a:p>
-              </p:txBody>
-            </p:sp>
-            <p:sp>
-              <p:nvSpPr>
-                <p:cNvPr id="92" name="円/楕円 91"/>
-                <p:cNvSpPr/>
-                <p:nvPr/>
-              </p:nvSpPr>
-              <p:spPr>
-                <a:xfrm>
-                  <a:off x="4586166" y="2268767"/>
-                  <a:ext cx="228600" cy="430178"/>
-                </a:xfrm>
-                <a:prstGeom prst="ellipse">
-                  <a:avLst/>
-                </a:prstGeom>
-                <a:solidFill>
-                  <a:schemeClr val="bg1">
-                    <a:lumMod val="75000"/>
-                  </a:schemeClr>
-                </a:solidFill>
-                <a:ln>
-                  <a:noFill/>
-                </a:ln>
-              </p:spPr>
-              <p:style>
-                <a:lnRef idx="2">
-                  <a:schemeClr val="accent1">
-                    <a:shade val="50000"/>
-                  </a:schemeClr>
-                </a:lnRef>
-                <a:fillRef idx="1">
-                  <a:schemeClr val="accent1"/>
-                </a:fillRef>
-                <a:effectRef idx="0">
-                  <a:schemeClr val="accent1"/>
-                </a:effectRef>
-                <a:fontRef idx="minor">
-                  <a:schemeClr val="lt1"/>
-                </a:fontRef>
-              </p:style>
-              <p:txBody>
-                <a:bodyPr rtlCol="0" anchor="ctr"/>
-                <a:lstStyle/>
-                <a:p>
-                  <a:pPr algn="ctr"/>
-                  <a:endParaRPr kumimoji="1" lang="ja-JP" altLang="en-US">
-                    <a:solidFill>
-                      <a:schemeClr val="accent3">
-                        <a:lumMod val="75000"/>
-                      </a:schemeClr>
-                    </a:solidFill>
-                  </a:endParaRPr>
-                </a:p>
-              </p:txBody>
-            </p:sp>
-          </p:grpSp>
           <p:sp>
             <p:nvSpPr>
-              <p:cNvPr id="86" name="フリーフォーム 85"/>
+              <p:cNvPr id="96" name="正方形/長方形 95"/>
               <p:cNvSpPr/>
               <p:nvPr/>
             </p:nvSpPr>
             <p:spPr>
               <a:xfrm>
-                <a:off x="5305590" y="138878"/>
-                <a:ext cx="2422057" cy="4249112"/>
-              </a:xfrm>
-              <a:custGeom>
-                <a:avLst/>
-                <a:gdLst>
-                  <a:gd name="connsiteX0" fmla="*/ 2422057 w 2422057"/>
-                  <a:gd name="connsiteY0" fmla="*/ 3280388 h 4249112"/>
-                  <a:gd name="connsiteX1" fmla="*/ 1647357 w 2422057"/>
-                  <a:gd name="connsiteY1" fmla="*/ 4067788 h 4249112"/>
-                  <a:gd name="connsiteX2" fmla="*/ 1113957 w 2422057"/>
-                  <a:gd name="connsiteY2" fmla="*/ 245088 h 4249112"/>
-                  <a:gd name="connsiteX3" fmla="*/ 85257 w 2422057"/>
-                  <a:gd name="connsiteY3" fmla="*/ 562588 h 4249112"/>
-                  <a:gd name="connsiteX4" fmla="*/ 59857 w 2422057"/>
-                  <a:gd name="connsiteY4" fmla="*/ 2023088 h 4249112"/>
-                </a:gdLst>
-                <a:ahLst/>
-                <a:cxnLst>
-                  <a:cxn ang="0">
-                    <a:pos x="connsiteX0" y="connsiteY0"/>
-                  </a:cxn>
-                  <a:cxn ang="0">
-                    <a:pos x="connsiteX1" y="connsiteY1"/>
-                  </a:cxn>
-                  <a:cxn ang="0">
-                    <a:pos x="connsiteX2" y="connsiteY2"/>
-                  </a:cxn>
-                  <a:cxn ang="0">
-                    <a:pos x="connsiteX3" y="connsiteY3"/>
-                  </a:cxn>
-                  <a:cxn ang="0">
-                    <a:pos x="connsiteX4" y="connsiteY4"/>
-                  </a:cxn>
-                </a:cxnLst>
-                <a:rect l="l" t="t" r="r" b="b"/>
-                <a:pathLst>
-                  <a:path w="2422057" h="4249112">
-                    <a:moveTo>
-                      <a:pt x="2422057" y="3280388"/>
-                    </a:moveTo>
-                    <a:cubicBezTo>
-                      <a:pt x="2143715" y="3927029"/>
-                      <a:pt x="1865374" y="4573671"/>
-                      <a:pt x="1647357" y="4067788"/>
-                    </a:cubicBezTo>
-                    <a:cubicBezTo>
-                      <a:pt x="1429340" y="3561905"/>
-                      <a:pt x="1374307" y="829288"/>
-                      <a:pt x="1113957" y="245088"/>
-                    </a:cubicBezTo>
-                    <a:cubicBezTo>
-                      <a:pt x="853607" y="-339112"/>
-                      <a:pt x="260940" y="266255"/>
-                      <a:pt x="85257" y="562588"/>
-                    </a:cubicBezTo>
-                    <a:cubicBezTo>
-                      <a:pt x="-90426" y="858921"/>
-                      <a:pt x="59857" y="2023088"/>
-                      <a:pt x="59857" y="2023088"/>
-                    </a:cubicBezTo>
-                  </a:path>
-                </a:pathLst>
-              </a:custGeom>
-              <a:noFill/>
-              <a:ln w="38100">
-                <a:solidFill>
-                  <a:schemeClr val="tx1"/>
-                </a:solidFill>
-              </a:ln>
-            </p:spPr>
-            <p:style>
-              <a:lnRef idx="2">
-                <a:schemeClr val="accent1">
-                  <a:shade val="50000"/>
-                </a:schemeClr>
-              </a:lnRef>
-              <a:fillRef idx="1">
-                <a:schemeClr val="accent1"/>
-              </a:fillRef>
-              <a:effectRef idx="0">
-                <a:schemeClr val="accent1"/>
-              </a:effectRef>
-              <a:fontRef idx="minor">
-                <a:schemeClr val="lt1"/>
-              </a:fontRef>
-            </p:style>
-            <p:txBody>
-              <a:bodyPr rtlCol="0" anchor="ctr"/>
-              <a:lstStyle/>
-              <a:p>
-                <a:pPr algn="ctr"/>
-                <a:endParaRPr kumimoji="1" lang="ja-JP" altLang="en-US"/>
-              </a:p>
-            </p:txBody>
-          </p:sp>
-          <p:sp>
-            <p:nvSpPr>
-              <p:cNvPr id="87" name="フリーフォーム 86"/>
-              <p:cNvSpPr/>
-              <p:nvPr/>
-            </p:nvSpPr>
-            <p:spPr>
-              <a:xfrm>
-                <a:off x="5624741" y="715948"/>
-                <a:ext cx="2118771" cy="2281252"/>
-              </a:xfrm>
-              <a:custGeom>
-                <a:avLst/>
-                <a:gdLst>
-                  <a:gd name="connsiteX0" fmla="*/ 2071459 w 2118771"/>
-                  <a:gd name="connsiteY0" fmla="*/ 2281252 h 2281252"/>
-                  <a:gd name="connsiteX1" fmla="*/ 1893659 w 2118771"/>
-                  <a:gd name="connsiteY1" fmla="*/ 312752 h 2281252"/>
-                  <a:gd name="connsiteX2" fmla="*/ 306159 w 2118771"/>
-                  <a:gd name="connsiteY2" fmla="*/ 109552 h 2281252"/>
-                  <a:gd name="connsiteX3" fmla="*/ 1359 w 2118771"/>
-                  <a:gd name="connsiteY3" fmla="*/ 1379552 h 2281252"/>
-                </a:gdLst>
-                <a:ahLst/>
-                <a:cxnLst>
-                  <a:cxn ang="0">
-                    <a:pos x="connsiteX0" y="connsiteY0"/>
-                  </a:cxn>
-                  <a:cxn ang="0">
-                    <a:pos x="connsiteX1" y="connsiteY1"/>
-                  </a:cxn>
-                  <a:cxn ang="0">
-                    <a:pos x="connsiteX2" y="connsiteY2"/>
-                  </a:cxn>
-                  <a:cxn ang="0">
-                    <a:pos x="connsiteX3" y="connsiteY3"/>
-                  </a:cxn>
-                </a:cxnLst>
-                <a:rect l="l" t="t" r="r" b="b"/>
-                <a:pathLst>
-                  <a:path w="2118771" h="2281252">
-                    <a:moveTo>
-                      <a:pt x="2071459" y="2281252"/>
-                    </a:moveTo>
-                    <a:cubicBezTo>
-                      <a:pt x="2129667" y="1477977"/>
-                      <a:pt x="2187876" y="674702"/>
-                      <a:pt x="1893659" y="312752"/>
-                    </a:cubicBezTo>
-                    <a:cubicBezTo>
-                      <a:pt x="1599442" y="-49198"/>
-                      <a:pt x="621542" y="-68248"/>
-                      <a:pt x="306159" y="109552"/>
-                    </a:cubicBezTo>
-                    <a:cubicBezTo>
-                      <a:pt x="-9224" y="287352"/>
-                      <a:pt x="-3933" y="833452"/>
-                      <a:pt x="1359" y="1379552"/>
-                    </a:cubicBezTo>
-                  </a:path>
-                </a:pathLst>
-              </a:custGeom>
-              <a:noFill/>
-              <a:ln w="38100">
-                <a:solidFill>
-                  <a:srgbClr val="FF0000"/>
-                </a:solidFill>
-              </a:ln>
-            </p:spPr>
-            <p:style>
-              <a:lnRef idx="2">
-                <a:schemeClr val="accent1">
-                  <a:shade val="50000"/>
-                </a:schemeClr>
-              </a:lnRef>
-              <a:fillRef idx="1">
-                <a:schemeClr val="accent1"/>
-              </a:fillRef>
-              <a:effectRef idx="0">
-                <a:schemeClr val="accent1"/>
-              </a:effectRef>
-              <a:fontRef idx="minor">
-                <a:schemeClr val="lt1"/>
-              </a:fontRef>
-            </p:style>
-            <p:txBody>
-              <a:bodyPr rtlCol="0" anchor="ctr"/>
-              <a:lstStyle/>
-              <a:p>
-                <a:pPr algn="ctr"/>
-                <a:endParaRPr kumimoji="1" lang="ja-JP" altLang="en-US"/>
-              </a:p>
-            </p:txBody>
-          </p:sp>
-          <p:sp>
-            <p:nvSpPr>
-              <p:cNvPr id="88" name="フリーフォーム 87"/>
-              <p:cNvSpPr/>
-              <p:nvPr/>
-            </p:nvSpPr>
-            <p:spPr>
-              <a:xfrm>
-                <a:off x="3314700" y="351616"/>
-                <a:ext cx="1530133" cy="2785284"/>
-              </a:xfrm>
-              <a:custGeom>
-                <a:avLst/>
-                <a:gdLst>
-                  <a:gd name="connsiteX0" fmla="*/ 0 w 1530133"/>
-                  <a:gd name="connsiteY0" fmla="*/ 2785284 h 2785284"/>
-                  <a:gd name="connsiteX1" fmla="*/ 266700 w 1530133"/>
-                  <a:gd name="connsiteY1" fmla="*/ 296084 h 2785284"/>
-                  <a:gd name="connsiteX2" fmla="*/ 1358900 w 1530133"/>
-                  <a:gd name="connsiteY2" fmla="*/ 207184 h 2785284"/>
-                  <a:gd name="connsiteX3" fmla="*/ 1511300 w 1530133"/>
-                  <a:gd name="connsiteY3" fmla="*/ 1743884 h 2785284"/>
-                </a:gdLst>
-                <a:ahLst/>
-                <a:cxnLst>
-                  <a:cxn ang="0">
-                    <a:pos x="connsiteX0" y="connsiteY0"/>
-                  </a:cxn>
-                  <a:cxn ang="0">
-                    <a:pos x="connsiteX1" y="connsiteY1"/>
-                  </a:cxn>
-                  <a:cxn ang="0">
-                    <a:pos x="connsiteX2" y="connsiteY2"/>
-                  </a:cxn>
-                  <a:cxn ang="0">
-                    <a:pos x="connsiteX3" y="connsiteY3"/>
-                  </a:cxn>
-                </a:cxnLst>
-                <a:rect l="l" t="t" r="r" b="b"/>
-                <a:pathLst>
-                  <a:path w="1530133" h="2785284">
-                    <a:moveTo>
-                      <a:pt x="0" y="2785284"/>
-                    </a:moveTo>
-                    <a:cubicBezTo>
-                      <a:pt x="20108" y="1755525"/>
-                      <a:pt x="40217" y="725767"/>
-                      <a:pt x="266700" y="296084"/>
-                    </a:cubicBezTo>
-                    <a:cubicBezTo>
-                      <a:pt x="493183" y="-133599"/>
-                      <a:pt x="1151467" y="-34116"/>
-                      <a:pt x="1358900" y="207184"/>
-                    </a:cubicBezTo>
-                    <a:cubicBezTo>
-                      <a:pt x="1566333" y="448484"/>
-                      <a:pt x="1538816" y="1096184"/>
-                      <a:pt x="1511300" y="1743884"/>
-                    </a:cubicBezTo>
-                  </a:path>
-                </a:pathLst>
-              </a:custGeom>
-              <a:noFill/>
-              <a:ln w="38100">
-                <a:solidFill>
-                  <a:srgbClr val="002060"/>
-                </a:solidFill>
-              </a:ln>
-            </p:spPr>
-            <p:style>
-              <a:lnRef idx="2">
-                <a:schemeClr val="accent1">
-                  <a:shade val="50000"/>
-                </a:schemeClr>
-              </a:lnRef>
-              <a:fillRef idx="1">
-                <a:schemeClr val="accent1"/>
-              </a:fillRef>
-              <a:effectRef idx="0">
-                <a:schemeClr val="accent1"/>
-              </a:effectRef>
-              <a:fontRef idx="minor">
-                <a:schemeClr val="lt1"/>
-              </a:fontRef>
-            </p:style>
-            <p:txBody>
-              <a:bodyPr rtlCol="0" anchor="ctr"/>
-              <a:lstStyle/>
-              <a:p>
-                <a:pPr algn="ctr"/>
-                <a:endParaRPr kumimoji="1" lang="ja-JP" altLang="en-US"/>
-              </a:p>
-            </p:txBody>
-          </p:sp>
-          <p:sp>
-            <p:nvSpPr>
-              <p:cNvPr id="89" name="フリーフォーム 88"/>
-              <p:cNvSpPr/>
-              <p:nvPr/>
-            </p:nvSpPr>
-            <p:spPr>
-              <a:xfrm>
-                <a:off x="1646096" y="1223691"/>
-                <a:ext cx="3026471" cy="1976709"/>
-              </a:xfrm>
-              <a:custGeom>
-                <a:avLst/>
-                <a:gdLst>
-                  <a:gd name="connsiteX0" fmla="*/ 208104 w 3026471"/>
-                  <a:gd name="connsiteY0" fmla="*/ 1976709 h 1976709"/>
-                  <a:gd name="connsiteX1" fmla="*/ 246204 w 3026471"/>
-                  <a:gd name="connsiteY1" fmla="*/ 173309 h 1976709"/>
-                  <a:gd name="connsiteX2" fmla="*/ 2671904 w 3026471"/>
-                  <a:gd name="connsiteY2" fmla="*/ 147909 h 1976709"/>
-                  <a:gd name="connsiteX3" fmla="*/ 2964004 w 3026471"/>
-                  <a:gd name="connsiteY3" fmla="*/ 846409 h 1976709"/>
-                </a:gdLst>
-                <a:ahLst/>
-                <a:cxnLst>
-                  <a:cxn ang="0">
-                    <a:pos x="connsiteX0" y="connsiteY0"/>
-                  </a:cxn>
-                  <a:cxn ang="0">
-                    <a:pos x="connsiteX1" y="connsiteY1"/>
-                  </a:cxn>
-                  <a:cxn ang="0">
-                    <a:pos x="connsiteX2" y="connsiteY2"/>
-                  </a:cxn>
-                  <a:cxn ang="0">
-                    <a:pos x="connsiteX3" y="connsiteY3"/>
-                  </a:cxn>
-                </a:cxnLst>
-                <a:rect l="l" t="t" r="r" b="b"/>
-                <a:pathLst>
-                  <a:path w="3026471" h="1976709">
-                    <a:moveTo>
-                      <a:pt x="208104" y="1976709"/>
-                    </a:moveTo>
-                    <a:cubicBezTo>
-                      <a:pt x="21837" y="1227409"/>
-                      <a:pt x="-164429" y="478109"/>
-                      <a:pt x="246204" y="173309"/>
-                    </a:cubicBezTo>
-                    <a:cubicBezTo>
-                      <a:pt x="656837" y="-131491"/>
-                      <a:pt x="2218937" y="35726"/>
-                      <a:pt x="2671904" y="147909"/>
-                    </a:cubicBezTo>
-                    <a:cubicBezTo>
-                      <a:pt x="3124871" y="260092"/>
-                      <a:pt x="3044437" y="553250"/>
-                      <a:pt x="2964004" y="846409"/>
-                    </a:cubicBezTo>
-                  </a:path>
-                </a:pathLst>
-              </a:custGeom>
-              <a:noFill/>
-              <a:ln w="38100">
-                <a:solidFill>
-                  <a:srgbClr val="00B050"/>
-                </a:solidFill>
-              </a:ln>
-            </p:spPr>
-            <p:style>
-              <a:lnRef idx="2">
-                <a:schemeClr val="accent1">
-                  <a:shade val="50000"/>
-                </a:schemeClr>
-              </a:lnRef>
-              <a:fillRef idx="1">
-                <a:schemeClr val="accent1"/>
-              </a:fillRef>
-              <a:effectRef idx="0">
-                <a:schemeClr val="accent1"/>
-              </a:effectRef>
-              <a:fontRef idx="minor">
-                <a:schemeClr val="lt1"/>
-              </a:fontRef>
-            </p:style>
-            <p:txBody>
-              <a:bodyPr rtlCol="0" anchor="ctr"/>
-              <a:lstStyle/>
-              <a:p>
-                <a:pPr algn="ctr"/>
-                <a:endParaRPr kumimoji="1" lang="ja-JP" altLang="en-US"/>
-              </a:p>
-            </p:txBody>
-          </p:sp>
-          <p:sp>
-            <p:nvSpPr>
-              <p:cNvPr id="90" name="正方形/長方形 89"/>
-              <p:cNvSpPr/>
-              <p:nvPr/>
-            </p:nvSpPr>
-            <p:spPr>
-              <a:xfrm>
-                <a:off x="1256339" y="-31049"/>
-                <a:ext cx="7708900" cy="5499100"/>
+                <a:off x="4425470" y="1493256"/>
+                <a:ext cx="1370640" cy="990600"/>
               </a:xfrm>
               <a:prstGeom prst="rect">
                 <a:avLst/>
               </a:prstGeom>
-              <a:noFill/>
-              <a:ln w="38100">
-                <a:solidFill>
-                  <a:schemeClr val="tx1"/>
-                </a:solidFill>
-              </a:ln>
-            </p:spPr>
-            <p:style>
-              <a:lnRef idx="2">
-                <a:schemeClr val="accent1">
-                  <a:shade val="50000"/>
+              <a:solidFill>
+                <a:schemeClr val="bg2">
+                  <a:lumMod val="50000"/>
                 </a:schemeClr>
-              </a:lnRef>
-              <a:fillRef idx="1">
-                <a:schemeClr val="accent1"/>
-              </a:fillRef>
-              <a:effectRef idx="0">
-                <a:schemeClr val="accent1"/>
-              </a:effectRef>
-              <a:fontRef idx="minor">
-                <a:schemeClr val="lt1"/>
-              </a:fontRef>
-            </p:style>
-            <p:txBody>
-              <a:bodyPr rtlCol="0" anchor="ctr"/>
-              <a:lstStyle/>
-              <a:p>
-                <a:pPr algn="ctr"/>
-                <a:endParaRPr kumimoji="1" lang="ja-JP" altLang="en-US"/>
-              </a:p>
-            </p:txBody>
-          </p:sp>
-        </p:grpSp>
-        <p:sp>
-          <p:nvSpPr>
-            <p:cNvPr id="71" name="テキスト ボックス 70"/>
-            <p:cNvSpPr txBox="1"/>
-            <p:nvPr/>
-          </p:nvSpPr>
-          <p:spPr>
-            <a:xfrm>
-              <a:off x="5209516" y="2816173"/>
-              <a:ext cx="951277" cy="338554"/>
-            </a:xfrm>
-            <a:prstGeom prst="rect">
-              <a:avLst/>
-            </a:prstGeom>
-            <a:noFill/>
-          </p:spPr>
-          <p:txBody>
-            <a:bodyPr wrap="square" rtlCol="0">
-              <a:spAutoFit/>
-            </a:bodyPr>
-            <a:lstStyle/>
-            <a:p>
-              <a:r>
-                <a:rPr kumimoji="1" lang="ja-JP" altLang="en-US" sz="1600" dirty="0" err="1" smtClean="0"/>
-                <a:t>ー</a:t>
-              </a:r>
-              <a:r>
-                <a:rPr kumimoji="1" lang="ja-JP" altLang="en-US" sz="1600" dirty="0" smtClean="0"/>
-                <a:t>　＋</a:t>
-              </a:r>
-              <a:endParaRPr kumimoji="1" lang="ja-JP" altLang="en-US" sz="1600" dirty="0"/>
-            </a:p>
-          </p:txBody>
-        </p:sp>
-        <p:sp>
-          <p:nvSpPr>
-            <p:cNvPr id="72" name="正方形/長方形 71"/>
-            <p:cNvSpPr/>
-            <p:nvPr/>
-          </p:nvSpPr>
-          <p:spPr>
-            <a:xfrm>
-              <a:off x="5073002" y="4727001"/>
-              <a:ext cx="159428" cy="147648"/>
-            </a:xfrm>
-            <a:prstGeom prst="rect">
-              <a:avLst/>
-            </a:prstGeom>
-            <a:solidFill>
-              <a:schemeClr val="tx1"/>
-            </a:solidFill>
-            <a:ln>
-              <a:noFill/>
-            </a:ln>
-          </p:spPr>
-          <p:style>
-            <a:lnRef idx="2">
-              <a:schemeClr val="accent1">
-                <a:shade val="50000"/>
-              </a:schemeClr>
-            </a:lnRef>
-            <a:fillRef idx="1">
-              <a:schemeClr val="accent1"/>
-            </a:fillRef>
-            <a:effectRef idx="0">
-              <a:schemeClr val="accent1"/>
-            </a:effectRef>
-            <a:fontRef idx="minor">
-              <a:schemeClr val="lt1"/>
-            </a:fontRef>
-          </p:style>
-          <p:txBody>
-            <a:bodyPr rtlCol="0" anchor="ctr"/>
-            <a:lstStyle/>
-            <a:p>
-              <a:pPr algn="ctr"/>
-              <a:endParaRPr kumimoji="1" lang="ja-JP" altLang="en-US"/>
-            </a:p>
-          </p:txBody>
-        </p:sp>
-        <p:cxnSp>
-          <p:nvCxnSpPr>
-            <p:cNvPr id="73" name="直線矢印コネクタ 72"/>
-            <p:cNvCxnSpPr/>
-            <p:nvPr/>
-          </p:nvCxnSpPr>
-          <p:spPr>
-            <a:xfrm flipH="1" flipV="1">
-              <a:off x="5876826" y="4710612"/>
-              <a:ext cx="2" cy="312489"/>
-            </a:xfrm>
-            <a:prstGeom prst="straightConnector1">
-              <a:avLst/>
-            </a:prstGeom>
-            <a:ln w="47625">
-              <a:solidFill>
-                <a:schemeClr val="tx1"/>
-              </a:solidFill>
-              <a:tailEnd type="triangle"/>
-            </a:ln>
-          </p:spPr>
-          <p:style>
-            <a:lnRef idx="1">
-              <a:schemeClr val="accent1"/>
-            </a:lnRef>
-            <a:fillRef idx="0">
-              <a:schemeClr val="accent1"/>
-            </a:fillRef>
-            <a:effectRef idx="0">
-              <a:schemeClr val="accent1"/>
-            </a:effectRef>
-            <a:fontRef idx="minor">
-              <a:schemeClr val="tx1"/>
-            </a:fontRef>
-          </p:style>
-        </p:cxnSp>
-        <p:sp>
-          <p:nvSpPr>
-            <p:cNvPr id="74" name="円/楕円 73"/>
-            <p:cNvSpPr/>
-            <p:nvPr/>
-          </p:nvSpPr>
-          <p:spPr>
-            <a:xfrm>
-              <a:off x="5781907" y="5026092"/>
-              <a:ext cx="189839" cy="192861"/>
-            </a:xfrm>
-            <a:prstGeom prst="ellipse">
-              <a:avLst/>
-            </a:prstGeom>
-            <a:noFill/>
-            <a:ln w="25400">
-              <a:solidFill>
-                <a:schemeClr val="tx1"/>
-              </a:solidFill>
-            </a:ln>
-          </p:spPr>
-          <p:style>
-            <a:lnRef idx="2">
-              <a:schemeClr val="accent1">
-                <a:shade val="50000"/>
-              </a:schemeClr>
-            </a:lnRef>
-            <a:fillRef idx="1">
-              <a:schemeClr val="accent1"/>
-            </a:fillRef>
-            <a:effectRef idx="0">
-              <a:schemeClr val="accent1"/>
-            </a:effectRef>
-            <a:fontRef idx="minor">
-              <a:schemeClr val="lt1"/>
-            </a:fontRef>
-          </p:style>
-          <p:txBody>
-            <a:bodyPr rtlCol="0" anchor="ctr"/>
-            <a:lstStyle/>
-            <a:p>
-              <a:pPr algn="ctr"/>
-              <a:endParaRPr kumimoji="1" lang="ja-JP" altLang="en-US"/>
-            </a:p>
-          </p:txBody>
-        </p:sp>
-        <p:cxnSp>
-          <p:nvCxnSpPr>
-            <p:cNvPr id="75" name="直線矢印コネクタ 74"/>
-            <p:cNvCxnSpPr>
-              <a:stCxn id="74" idx="6"/>
-            </p:cNvCxnSpPr>
-            <p:nvPr/>
-          </p:nvCxnSpPr>
-          <p:spPr>
-            <a:xfrm flipV="1">
-              <a:off x="5971746" y="5122522"/>
-              <a:ext cx="284413" cy="1"/>
-            </a:xfrm>
-            <a:prstGeom prst="straightConnector1">
-              <a:avLst/>
-            </a:prstGeom>
-            <a:ln w="47625">
-              <a:solidFill>
-                <a:schemeClr val="tx1"/>
-              </a:solidFill>
-              <a:tailEnd type="triangle"/>
-            </a:ln>
-          </p:spPr>
-          <p:style>
-            <a:lnRef idx="1">
-              <a:schemeClr val="accent1"/>
-            </a:lnRef>
-            <a:fillRef idx="0">
-              <a:schemeClr val="accent1"/>
-            </a:fillRef>
-            <a:effectRef idx="0">
-              <a:schemeClr val="accent1"/>
-            </a:effectRef>
-            <a:fontRef idx="minor">
-              <a:schemeClr val="tx1"/>
-            </a:fontRef>
-          </p:style>
-        </p:cxnSp>
-        <p:sp>
-          <p:nvSpPr>
-            <p:cNvPr id="76" name="円/楕円 75"/>
-            <p:cNvSpPr/>
-            <p:nvPr/>
-          </p:nvSpPr>
-          <p:spPr>
-            <a:xfrm>
-              <a:off x="5853966" y="5094116"/>
-              <a:ext cx="45719" cy="45719"/>
-            </a:xfrm>
-            <a:prstGeom prst="ellipse">
-              <a:avLst/>
-            </a:prstGeom>
-            <a:solidFill>
-              <a:schemeClr val="tx1"/>
-            </a:solidFill>
-            <a:ln>
-              <a:noFill/>
-            </a:ln>
-          </p:spPr>
-          <p:style>
-            <a:lnRef idx="2">
-              <a:schemeClr val="accent1">
-                <a:shade val="50000"/>
-              </a:schemeClr>
-            </a:lnRef>
-            <a:fillRef idx="1">
-              <a:schemeClr val="accent1"/>
-            </a:fillRef>
-            <a:effectRef idx="0">
-              <a:schemeClr val="accent1"/>
-            </a:effectRef>
-            <a:fontRef idx="minor">
-              <a:schemeClr val="lt1"/>
-            </a:fontRef>
-          </p:style>
-          <p:txBody>
-            <a:bodyPr rtlCol="0" anchor="ctr"/>
-            <a:lstStyle/>
-            <a:p>
-              <a:pPr algn="ctr"/>
-              <a:endParaRPr kumimoji="1" lang="ja-JP" altLang="en-US"/>
-            </a:p>
-          </p:txBody>
-        </p:sp>
-        <p:grpSp>
-          <p:nvGrpSpPr>
-            <p:cNvPr id="77" name="グループ化 76"/>
-            <p:cNvGrpSpPr/>
-            <p:nvPr/>
-          </p:nvGrpSpPr>
-          <p:grpSpPr>
-            <a:xfrm>
-              <a:off x="5180143" y="3258257"/>
-              <a:ext cx="872995" cy="855769"/>
-              <a:chOff x="5180143" y="3258257"/>
-              <a:chExt cx="872995" cy="855769"/>
-            </a:xfrm>
-          </p:grpSpPr>
-          <p:sp>
-            <p:nvSpPr>
-              <p:cNvPr id="78" name="台形 77"/>
-              <p:cNvSpPr/>
-              <p:nvPr/>
-            </p:nvSpPr>
-            <p:spPr>
-              <a:xfrm>
-                <a:off x="5181002" y="3465096"/>
-                <a:ext cx="872136" cy="420047"/>
-              </a:xfrm>
-              <a:prstGeom prst="trapezoid">
-                <a:avLst/>
-              </a:prstGeom>
-              <a:solidFill>
-                <a:srgbClr val="00B050"/>
               </a:solidFill>
               <a:ln>
                 <a:noFill/>
@@ -4752,20 +3704,22 @@
           </p:sp>
           <p:sp>
             <p:nvSpPr>
-              <p:cNvPr id="79" name="正方形/長方形 78"/>
+              <p:cNvPr id="97" name="正方形/長方形 96"/>
               <p:cNvSpPr/>
               <p:nvPr/>
             </p:nvSpPr>
             <p:spPr>
               <a:xfrm>
-                <a:off x="5180143" y="3873481"/>
-                <a:ext cx="872995" cy="240545"/>
+                <a:off x="4903300" y="3779390"/>
+                <a:ext cx="414979" cy="414567"/>
               </a:xfrm>
               <a:prstGeom prst="rect">
                 <a:avLst/>
               </a:prstGeom>
               <a:solidFill>
-                <a:srgbClr val="00B050"/>
+                <a:schemeClr val="bg2">
+                  <a:lumMod val="50000"/>
+                </a:schemeClr>
               </a:solidFill>
               <a:ln>
                 <a:noFill/>
@@ -4796,20 +3750,43 @@
               </a:p>
             </p:txBody>
           </p:sp>
+        </p:grpSp>
+        <p:grpSp>
+          <p:nvGrpSpPr>
+            <p:cNvPr id="84" name="グループ化 83"/>
+            <p:cNvGrpSpPr/>
+            <p:nvPr/>
+          </p:nvGrpSpPr>
+          <p:grpSpPr>
+            <a:xfrm>
+              <a:off x="4513407" y="1828088"/>
+              <a:ext cx="389893" cy="497312"/>
+              <a:chOff x="4255966" y="2268767"/>
+              <a:chExt cx="558800" cy="430178"/>
+            </a:xfrm>
+          </p:grpSpPr>
           <p:sp>
             <p:nvSpPr>
-              <p:cNvPr id="80" name="正方形/長方形 79"/>
+              <p:cNvPr id="93" name="円/楕円 92"/>
               <p:cNvSpPr/>
               <p:nvPr/>
             </p:nvSpPr>
             <p:spPr>
               <a:xfrm>
-                <a:off x="5285811" y="3258257"/>
-                <a:ext cx="652187" cy="855769"/>
+                <a:off x="4255966" y="2268767"/>
+                <a:ext cx="228600" cy="430178"/>
               </a:xfrm>
-              <a:prstGeom prst="rect">
+              <a:prstGeom prst="ellipse">
                 <a:avLst/>
               </a:prstGeom>
+              <a:solidFill>
+                <a:schemeClr val="bg1">
+                  <a:lumMod val="75000"/>
+                </a:schemeClr>
+              </a:solidFill>
+              <a:ln>
+                <a:noFill/>
+              </a:ln>
             </p:spPr>
             <p:style>
               <a:lnRef idx="2">
@@ -4832,11 +3809,1019 @@
               <a:lstStyle/>
               <a:p>
                 <a:pPr algn="ctr"/>
-                <a:endParaRPr kumimoji="1" lang="ja-JP" altLang="en-US"/>
+                <a:endParaRPr kumimoji="1" lang="ja-JP" altLang="en-US">
+                  <a:solidFill>
+                    <a:schemeClr val="accent3">
+                      <a:lumMod val="75000"/>
+                    </a:schemeClr>
+                  </a:solidFill>
+                </a:endParaRPr>
+              </a:p>
+            </p:txBody>
+          </p:sp>
+          <p:sp>
+            <p:nvSpPr>
+              <p:cNvPr id="94" name="円/楕円 93"/>
+              <p:cNvSpPr/>
+              <p:nvPr/>
+            </p:nvSpPr>
+            <p:spPr>
+              <a:xfrm>
+                <a:off x="4586166" y="2268767"/>
+                <a:ext cx="228600" cy="430178"/>
+              </a:xfrm>
+              <a:prstGeom prst="ellipse">
+                <a:avLst/>
+              </a:prstGeom>
+              <a:solidFill>
+                <a:schemeClr val="bg1">
+                  <a:lumMod val="75000"/>
+                </a:schemeClr>
+              </a:solidFill>
+              <a:ln>
+                <a:noFill/>
+              </a:ln>
+            </p:spPr>
+            <p:style>
+              <a:lnRef idx="2">
+                <a:schemeClr val="accent1">
+                  <a:shade val="50000"/>
+                </a:schemeClr>
+              </a:lnRef>
+              <a:fillRef idx="1">
+                <a:schemeClr val="accent1"/>
+              </a:fillRef>
+              <a:effectRef idx="0">
+                <a:schemeClr val="accent1"/>
+              </a:effectRef>
+              <a:fontRef idx="minor">
+                <a:schemeClr val="lt1"/>
+              </a:fontRef>
+            </p:style>
+            <p:txBody>
+              <a:bodyPr rtlCol="0" anchor="ctr"/>
+              <a:lstStyle/>
+              <a:p>
+                <a:pPr algn="ctr"/>
+                <a:endParaRPr kumimoji="1" lang="ja-JP" altLang="en-US">
+                  <a:solidFill>
+                    <a:schemeClr val="accent3">
+                      <a:lumMod val="75000"/>
+                    </a:schemeClr>
+                  </a:solidFill>
+                </a:endParaRPr>
               </a:p>
             </p:txBody>
           </p:sp>
         </p:grpSp>
+        <p:grpSp>
+          <p:nvGrpSpPr>
+            <p:cNvPr id="85" name="グループ化 84"/>
+            <p:cNvGrpSpPr/>
+            <p:nvPr/>
+          </p:nvGrpSpPr>
+          <p:grpSpPr>
+            <a:xfrm>
+              <a:off x="5311447" y="1828088"/>
+              <a:ext cx="389893" cy="497312"/>
+              <a:chOff x="4255966" y="2268767"/>
+              <a:chExt cx="558800" cy="430178"/>
+            </a:xfrm>
+          </p:grpSpPr>
+          <p:sp>
+            <p:nvSpPr>
+              <p:cNvPr id="91" name="円/楕円 90"/>
+              <p:cNvSpPr/>
+              <p:nvPr/>
+            </p:nvSpPr>
+            <p:spPr>
+              <a:xfrm>
+                <a:off x="4255966" y="2268767"/>
+                <a:ext cx="228600" cy="430178"/>
+              </a:xfrm>
+              <a:prstGeom prst="ellipse">
+                <a:avLst/>
+              </a:prstGeom>
+              <a:solidFill>
+                <a:schemeClr val="bg1">
+                  <a:lumMod val="75000"/>
+                </a:schemeClr>
+              </a:solidFill>
+              <a:ln>
+                <a:noFill/>
+              </a:ln>
+            </p:spPr>
+            <p:style>
+              <a:lnRef idx="2">
+                <a:schemeClr val="accent1">
+                  <a:shade val="50000"/>
+                </a:schemeClr>
+              </a:lnRef>
+              <a:fillRef idx="1">
+                <a:schemeClr val="accent1"/>
+              </a:fillRef>
+              <a:effectRef idx="0">
+                <a:schemeClr val="accent1"/>
+              </a:effectRef>
+              <a:fontRef idx="minor">
+                <a:schemeClr val="lt1"/>
+              </a:fontRef>
+            </p:style>
+            <p:txBody>
+              <a:bodyPr rtlCol="0" anchor="ctr"/>
+              <a:lstStyle/>
+              <a:p>
+                <a:pPr algn="ctr"/>
+                <a:endParaRPr kumimoji="1" lang="ja-JP" altLang="en-US">
+                  <a:solidFill>
+                    <a:schemeClr val="accent3">
+                      <a:lumMod val="75000"/>
+                    </a:schemeClr>
+                  </a:solidFill>
+                </a:endParaRPr>
+              </a:p>
+            </p:txBody>
+          </p:sp>
+          <p:sp>
+            <p:nvSpPr>
+              <p:cNvPr id="92" name="円/楕円 91"/>
+              <p:cNvSpPr/>
+              <p:nvPr/>
+            </p:nvSpPr>
+            <p:spPr>
+              <a:xfrm>
+                <a:off x="4586166" y="2268767"/>
+                <a:ext cx="228600" cy="430178"/>
+              </a:xfrm>
+              <a:prstGeom prst="ellipse">
+                <a:avLst/>
+              </a:prstGeom>
+              <a:solidFill>
+                <a:schemeClr val="bg1">
+                  <a:lumMod val="75000"/>
+                </a:schemeClr>
+              </a:solidFill>
+              <a:ln>
+                <a:noFill/>
+              </a:ln>
+            </p:spPr>
+            <p:style>
+              <a:lnRef idx="2">
+                <a:schemeClr val="accent1">
+                  <a:shade val="50000"/>
+                </a:schemeClr>
+              </a:lnRef>
+              <a:fillRef idx="1">
+                <a:schemeClr val="accent1"/>
+              </a:fillRef>
+              <a:effectRef idx="0">
+                <a:schemeClr val="accent1"/>
+              </a:effectRef>
+              <a:fontRef idx="minor">
+                <a:schemeClr val="lt1"/>
+              </a:fontRef>
+            </p:style>
+            <p:txBody>
+              <a:bodyPr rtlCol="0" anchor="ctr"/>
+              <a:lstStyle/>
+              <a:p>
+                <a:pPr algn="ctr"/>
+                <a:endParaRPr kumimoji="1" lang="ja-JP" altLang="en-US">
+                  <a:solidFill>
+                    <a:schemeClr val="accent3">
+                      <a:lumMod val="75000"/>
+                    </a:schemeClr>
+                  </a:solidFill>
+                </a:endParaRPr>
+              </a:p>
+            </p:txBody>
+          </p:sp>
+        </p:grpSp>
+        <p:sp>
+          <p:nvSpPr>
+            <p:cNvPr id="86" name="フリーフォーム 85"/>
+            <p:cNvSpPr/>
+            <p:nvPr/>
+          </p:nvSpPr>
+          <p:spPr>
+            <a:xfrm>
+              <a:off x="5305590" y="138878"/>
+              <a:ext cx="2422057" cy="4249112"/>
+            </a:xfrm>
+            <a:custGeom>
+              <a:avLst/>
+              <a:gdLst>
+                <a:gd name="connsiteX0" fmla="*/ 2422057 w 2422057"/>
+                <a:gd name="connsiteY0" fmla="*/ 3280388 h 4249112"/>
+                <a:gd name="connsiteX1" fmla="*/ 1647357 w 2422057"/>
+                <a:gd name="connsiteY1" fmla="*/ 4067788 h 4249112"/>
+                <a:gd name="connsiteX2" fmla="*/ 1113957 w 2422057"/>
+                <a:gd name="connsiteY2" fmla="*/ 245088 h 4249112"/>
+                <a:gd name="connsiteX3" fmla="*/ 85257 w 2422057"/>
+                <a:gd name="connsiteY3" fmla="*/ 562588 h 4249112"/>
+                <a:gd name="connsiteX4" fmla="*/ 59857 w 2422057"/>
+                <a:gd name="connsiteY4" fmla="*/ 2023088 h 4249112"/>
+              </a:gdLst>
+              <a:ahLst/>
+              <a:cxnLst>
+                <a:cxn ang="0">
+                  <a:pos x="connsiteX0" y="connsiteY0"/>
+                </a:cxn>
+                <a:cxn ang="0">
+                  <a:pos x="connsiteX1" y="connsiteY1"/>
+                </a:cxn>
+                <a:cxn ang="0">
+                  <a:pos x="connsiteX2" y="connsiteY2"/>
+                </a:cxn>
+                <a:cxn ang="0">
+                  <a:pos x="connsiteX3" y="connsiteY3"/>
+                </a:cxn>
+                <a:cxn ang="0">
+                  <a:pos x="connsiteX4" y="connsiteY4"/>
+                </a:cxn>
+              </a:cxnLst>
+              <a:rect l="l" t="t" r="r" b="b"/>
+              <a:pathLst>
+                <a:path w="2422057" h="4249112">
+                  <a:moveTo>
+                    <a:pt x="2422057" y="3280388"/>
+                  </a:moveTo>
+                  <a:cubicBezTo>
+                    <a:pt x="2143715" y="3927029"/>
+                    <a:pt x="1865374" y="4573671"/>
+                    <a:pt x="1647357" y="4067788"/>
+                  </a:cubicBezTo>
+                  <a:cubicBezTo>
+                    <a:pt x="1429340" y="3561905"/>
+                    <a:pt x="1374307" y="829288"/>
+                    <a:pt x="1113957" y="245088"/>
+                  </a:cubicBezTo>
+                  <a:cubicBezTo>
+                    <a:pt x="853607" y="-339112"/>
+                    <a:pt x="260940" y="266255"/>
+                    <a:pt x="85257" y="562588"/>
+                  </a:cubicBezTo>
+                  <a:cubicBezTo>
+                    <a:pt x="-90426" y="858921"/>
+                    <a:pt x="59857" y="2023088"/>
+                    <a:pt x="59857" y="2023088"/>
+                  </a:cubicBezTo>
+                </a:path>
+              </a:pathLst>
+            </a:custGeom>
+            <a:noFill/>
+            <a:ln w="38100">
+              <a:solidFill>
+                <a:schemeClr val="tx1"/>
+              </a:solidFill>
+            </a:ln>
+          </p:spPr>
+          <p:style>
+            <a:lnRef idx="2">
+              <a:schemeClr val="accent1">
+                <a:shade val="50000"/>
+              </a:schemeClr>
+            </a:lnRef>
+            <a:fillRef idx="1">
+              <a:schemeClr val="accent1"/>
+            </a:fillRef>
+            <a:effectRef idx="0">
+              <a:schemeClr val="accent1"/>
+            </a:effectRef>
+            <a:fontRef idx="minor">
+              <a:schemeClr val="lt1"/>
+            </a:fontRef>
+          </p:style>
+          <p:txBody>
+            <a:bodyPr rtlCol="0" anchor="ctr"/>
+            <a:lstStyle/>
+            <a:p>
+              <a:pPr algn="ctr"/>
+              <a:endParaRPr kumimoji="1" lang="ja-JP" altLang="en-US"/>
+            </a:p>
+          </p:txBody>
+        </p:sp>
+        <p:sp>
+          <p:nvSpPr>
+            <p:cNvPr id="87" name="フリーフォーム 86"/>
+            <p:cNvSpPr/>
+            <p:nvPr/>
+          </p:nvSpPr>
+          <p:spPr>
+            <a:xfrm>
+              <a:off x="5624741" y="715948"/>
+              <a:ext cx="2118771" cy="2281252"/>
+            </a:xfrm>
+            <a:custGeom>
+              <a:avLst/>
+              <a:gdLst>
+                <a:gd name="connsiteX0" fmla="*/ 2071459 w 2118771"/>
+                <a:gd name="connsiteY0" fmla="*/ 2281252 h 2281252"/>
+                <a:gd name="connsiteX1" fmla="*/ 1893659 w 2118771"/>
+                <a:gd name="connsiteY1" fmla="*/ 312752 h 2281252"/>
+                <a:gd name="connsiteX2" fmla="*/ 306159 w 2118771"/>
+                <a:gd name="connsiteY2" fmla="*/ 109552 h 2281252"/>
+                <a:gd name="connsiteX3" fmla="*/ 1359 w 2118771"/>
+                <a:gd name="connsiteY3" fmla="*/ 1379552 h 2281252"/>
+              </a:gdLst>
+              <a:ahLst/>
+              <a:cxnLst>
+                <a:cxn ang="0">
+                  <a:pos x="connsiteX0" y="connsiteY0"/>
+                </a:cxn>
+                <a:cxn ang="0">
+                  <a:pos x="connsiteX1" y="connsiteY1"/>
+                </a:cxn>
+                <a:cxn ang="0">
+                  <a:pos x="connsiteX2" y="connsiteY2"/>
+                </a:cxn>
+                <a:cxn ang="0">
+                  <a:pos x="connsiteX3" y="connsiteY3"/>
+                </a:cxn>
+              </a:cxnLst>
+              <a:rect l="l" t="t" r="r" b="b"/>
+              <a:pathLst>
+                <a:path w="2118771" h="2281252">
+                  <a:moveTo>
+                    <a:pt x="2071459" y="2281252"/>
+                  </a:moveTo>
+                  <a:cubicBezTo>
+                    <a:pt x="2129667" y="1477977"/>
+                    <a:pt x="2187876" y="674702"/>
+                    <a:pt x="1893659" y="312752"/>
+                  </a:cubicBezTo>
+                  <a:cubicBezTo>
+                    <a:pt x="1599442" y="-49198"/>
+                    <a:pt x="621542" y="-68248"/>
+                    <a:pt x="306159" y="109552"/>
+                  </a:cubicBezTo>
+                  <a:cubicBezTo>
+                    <a:pt x="-9224" y="287352"/>
+                    <a:pt x="-3933" y="833452"/>
+                    <a:pt x="1359" y="1379552"/>
+                  </a:cubicBezTo>
+                </a:path>
+              </a:pathLst>
+            </a:custGeom>
+            <a:noFill/>
+            <a:ln w="38100">
+              <a:solidFill>
+                <a:srgbClr val="FF0000"/>
+              </a:solidFill>
+            </a:ln>
+          </p:spPr>
+          <p:style>
+            <a:lnRef idx="2">
+              <a:schemeClr val="accent1">
+                <a:shade val="50000"/>
+              </a:schemeClr>
+            </a:lnRef>
+            <a:fillRef idx="1">
+              <a:schemeClr val="accent1"/>
+            </a:fillRef>
+            <a:effectRef idx="0">
+              <a:schemeClr val="accent1"/>
+            </a:effectRef>
+            <a:fontRef idx="minor">
+              <a:schemeClr val="lt1"/>
+            </a:fontRef>
+          </p:style>
+          <p:txBody>
+            <a:bodyPr rtlCol="0" anchor="ctr"/>
+            <a:lstStyle/>
+            <a:p>
+              <a:pPr algn="ctr"/>
+              <a:endParaRPr kumimoji="1" lang="ja-JP" altLang="en-US"/>
+            </a:p>
+          </p:txBody>
+        </p:sp>
+        <p:sp>
+          <p:nvSpPr>
+            <p:cNvPr id="88" name="フリーフォーム 87"/>
+            <p:cNvSpPr/>
+            <p:nvPr/>
+          </p:nvSpPr>
+          <p:spPr>
+            <a:xfrm>
+              <a:off x="3314700" y="351616"/>
+              <a:ext cx="1530133" cy="2785284"/>
+            </a:xfrm>
+            <a:custGeom>
+              <a:avLst/>
+              <a:gdLst>
+                <a:gd name="connsiteX0" fmla="*/ 0 w 1530133"/>
+                <a:gd name="connsiteY0" fmla="*/ 2785284 h 2785284"/>
+                <a:gd name="connsiteX1" fmla="*/ 266700 w 1530133"/>
+                <a:gd name="connsiteY1" fmla="*/ 296084 h 2785284"/>
+                <a:gd name="connsiteX2" fmla="*/ 1358900 w 1530133"/>
+                <a:gd name="connsiteY2" fmla="*/ 207184 h 2785284"/>
+                <a:gd name="connsiteX3" fmla="*/ 1511300 w 1530133"/>
+                <a:gd name="connsiteY3" fmla="*/ 1743884 h 2785284"/>
+              </a:gdLst>
+              <a:ahLst/>
+              <a:cxnLst>
+                <a:cxn ang="0">
+                  <a:pos x="connsiteX0" y="connsiteY0"/>
+                </a:cxn>
+                <a:cxn ang="0">
+                  <a:pos x="connsiteX1" y="connsiteY1"/>
+                </a:cxn>
+                <a:cxn ang="0">
+                  <a:pos x="connsiteX2" y="connsiteY2"/>
+                </a:cxn>
+                <a:cxn ang="0">
+                  <a:pos x="connsiteX3" y="connsiteY3"/>
+                </a:cxn>
+              </a:cxnLst>
+              <a:rect l="l" t="t" r="r" b="b"/>
+              <a:pathLst>
+                <a:path w="1530133" h="2785284">
+                  <a:moveTo>
+                    <a:pt x="0" y="2785284"/>
+                  </a:moveTo>
+                  <a:cubicBezTo>
+                    <a:pt x="20108" y="1755525"/>
+                    <a:pt x="40217" y="725767"/>
+                    <a:pt x="266700" y="296084"/>
+                  </a:cubicBezTo>
+                  <a:cubicBezTo>
+                    <a:pt x="493183" y="-133599"/>
+                    <a:pt x="1151467" y="-34116"/>
+                    <a:pt x="1358900" y="207184"/>
+                  </a:cubicBezTo>
+                  <a:cubicBezTo>
+                    <a:pt x="1566333" y="448484"/>
+                    <a:pt x="1538816" y="1096184"/>
+                    <a:pt x="1511300" y="1743884"/>
+                  </a:cubicBezTo>
+                </a:path>
+              </a:pathLst>
+            </a:custGeom>
+            <a:noFill/>
+            <a:ln w="38100">
+              <a:solidFill>
+                <a:srgbClr val="002060"/>
+              </a:solidFill>
+            </a:ln>
+          </p:spPr>
+          <p:style>
+            <a:lnRef idx="2">
+              <a:schemeClr val="accent1">
+                <a:shade val="50000"/>
+              </a:schemeClr>
+            </a:lnRef>
+            <a:fillRef idx="1">
+              <a:schemeClr val="accent1"/>
+            </a:fillRef>
+            <a:effectRef idx="0">
+              <a:schemeClr val="accent1"/>
+            </a:effectRef>
+            <a:fontRef idx="minor">
+              <a:schemeClr val="lt1"/>
+            </a:fontRef>
+          </p:style>
+          <p:txBody>
+            <a:bodyPr rtlCol="0" anchor="ctr"/>
+            <a:lstStyle/>
+            <a:p>
+              <a:pPr algn="ctr"/>
+              <a:endParaRPr kumimoji="1" lang="ja-JP" altLang="en-US"/>
+            </a:p>
+          </p:txBody>
+        </p:sp>
+        <p:sp>
+          <p:nvSpPr>
+            <p:cNvPr id="89" name="フリーフォーム 88"/>
+            <p:cNvSpPr/>
+            <p:nvPr/>
+          </p:nvSpPr>
+          <p:spPr>
+            <a:xfrm>
+              <a:off x="1646096" y="1223691"/>
+              <a:ext cx="3026471" cy="1976709"/>
+            </a:xfrm>
+            <a:custGeom>
+              <a:avLst/>
+              <a:gdLst>
+                <a:gd name="connsiteX0" fmla="*/ 208104 w 3026471"/>
+                <a:gd name="connsiteY0" fmla="*/ 1976709 h 1976709"/>
+                <a:gd name="connsiteX1" fmla="*/ 246204 w 3026471"/>
+                <a:gd name="connsiteY1" fmla="*/ 173309 h 1976709"/>
+                <a:gd name="connsiteX2" fmla="*/ 2671904 w 3026471"/>
+                <a:gd name="connsiteY2" fmla="*/ 147909 h 1976709"/>
+                <a:gd name="connsiteX3" fmla="*/ 2964004 w 3026471"/>
+                <a:gd name="connsiteY3" fmla="*/ 846409 h 1976709"/>
+              </a:gdLst>
+              <a:ahLst/>
+              <a:cxnLst>
+                <a:cxn ang="0">
+                  <a:pos x="connsiteX0" y="connsiteY0"/>
+                </a:cxn>
+                <a:cxn ang="0">
+                  <a:pos x="connsiteX1" y="connsiteY1"/>
+                </a:cxn>
+                <a:cxn ang="0">
+                  <a:pos x="connsiteX2" y="connsiteY2"/>
+                </a:cxn>
+                <a:cxn ang="0">
+                  <a:pos x="connsiteX3" y="connsiteY3"/>
+                </a:cxn>
+              </a:cxnLst>
+              <a:rect l="l" t="t" r="r" b="b"/>
+              <a:pathLst>
+                <a:path w="3026471" h="1976709">
+                  <a:moveTo>
+                    <a:pt x="208104" y="1976709"/>
+                  </a:moveTo>
+                  <a:cubicBezTo>
+                    <a:pt x="21837" y="1227409"/>
+                    <a:pt x="-164429" y="478109"/>
+                    <a:pt x="246204" y="173309"/>
+                  </a:cubicBezTo>
+                  <a:cubicBezTo>
+                    <a:pt x="656837" y="-131491"/>
+                    <a:pt x="2218937" y="35726"/>
+                    <a:pt x="2671904" y="147909"/>
+                  </a:cubicBezTo>
+                  <a:cubicBezTo>
+                    <a:pt x="3124871" y="260092"/>
+                    <a:pt x="3044437" y="553250"/>
+                    <a:pt x="2964004" y="846409"/>
+                  </a:cubicBezTo>
+                </a:path>
+              </a:pathLst>
+            </a:custGeom>
+            <a:noFill/>
+            <a:ln w="38100">
+              <a:solidFill>
+                <a:srgbClr val="00B050"/>
+              </a:solidFill>
+            </a:ln>
+          </p:spPr>
+          <p:style>
+            <a:lnRef idx="2">
+              <a:schemeClr val="accent1">
+                <a:shade val="50000"/>
+              </a:schemeClr>
+            </a:lnRef>
+            <a:fillRef idx="1">
+              <a:schemeClr val="accent1"/>
+            </a:fillRef>
+            <a:effectRef idx="0">
+              <a:schemeClr val="accent1"/>
+            </a:effectRef>
+            <a:fontRef idx="minor">
+              <a:schemeClr val="lt1"/>
+            </a:fontRef>
+          </p:style>
+          <p:txBody>
+            <a:bodyPr rtlCol="0" anchor="ctr"/>
+            <a:lstStyle/>
+            <a:p>
+              <a:pPr algn="ctr"/>
+              <a:endParaRPr kumimoji="1" lang="ja-JP" altLang="en-US"/>
+            </a:p>
+          </p:txBody>
+        </p:sp>
+        <p:sp>
+          <p:nvSpPr>
+            <p:cNvPr id="90" name="正方形/長方形 89"/>
+            <p:cNvSpPr/>
+            <p:nvPr/>
+          </p:nvSpPr>
+          <p:spPr>
+            <a:xfrm>
+              <a:off x="1256339" y="-31049"/>
+              <a:ext cx="7708900" cy="5499100"/>
+            </a:xfrm>
+            <a:prstGeom prst="rect">
+              <a:avLst/>
+            </a:prstGeom>
+            <a:noFill/>
+            <a:ln w="38100">
+              <a:solidFill>
+                <a:schemeClr val="tx1"/>
+              </a:solidFill>
+            </a:ln>
+          </p:spPr>
+          <p:style>
+            <a:lnRef idx="2">
+              <a:schemeClr val="accent1">
+                <a:shade val="50000"/>
+              </a:schemeClr>
+            </a:lnRef>
+            <a:fillRef idx="1">
+              <a:schemeClr val="accent1"/>
+            </a:fillRef>
+            <a:effectRef idx="0">
+              <a:schemeClr val="accent1"/>
+            </a:effectRef>
+            <a:fontRef idx="minor">
+              <a:schemeClr val="lt1"/>
+            </a:fontRef>
+          </p:style>
+          <p:txBody>
+            <a:bodyPr rtlCol="0" anchor="ctr"/>
+            <a:lstStyle/>
+            <a:p>
+              <a:pPr algn="ctr"/>
+              <a:endParaRPr kumimoji="1" lang="ja-JP" altLang="en-US"/>
+            </a:p>
+          </p:txBody>
+        </p:sp>
+      </p:grpSp>
+      <p:sp>
+        <p:nvSpPr>
+          <p:cNvPr id="71" name="テキスト ボックス 70"/>
+          <p:cNvSpPr txBox="1"/>
+          <p:nvPr/>
+        </p:nvSpPr>
+        <p:spPr>
+          <a:xfrm>
+            <a:off x="5209516" y="2816173"/>
+            <a:ext cx="951277" cy="338554"/>
+          </a:xfrm>
+          <a:prstGeom prst="rect">
+            <a:avLst/>
+          </a:prstGeom>
+          <a:noFill/>
+        </p:spPr>
+        <p:txBody>
+          <a:bodyPr wrap="square" rtlCol="0">
+            <a:spAutoFit/>
+          </a:bodyPr>
+          <a:lstStyle/>
+          <a:p>
+            <a:r>
+              <a:rPr kumimoji="1" lang="ja-JP" altLang="en-US" sz="1600" dirty="0" err="1" smtClean="0"/>
+              <a:t>ー</a:t>
+            </a:r>
+            <a:r>
+              <a:rPr kumimoji="1" lang="ja-JP" altLang="en-US" sz="1600" dirty="0" smtClean="0"/>
+              <a:t>　＋</a:t>
+            </a:r>
+            <a:endParaRPr kumimoji="1" lang="ja-JP" altLang="en-US" sz="1600" dirty="0"/>
+          </a:p>
+        </p:txBody>
+      </p:sp>
+      <p:sp>
+        <p:nvSpPr>
+          <p:cNvPr id="72" name="正方形/長方形 71"/>
+          <p:cNvSpPr/>
+          <p:nvPr/>
+        </p:nvSpPr>
+        <p:spPr>
+          <a:xfrm>
+            <a:off x="5073002" y="4727001"/>
+            <a:ext cx="159428" cy="147648"/>
+          </a:xfrm>
+          <a:prstGeom prst="rect">
+            <a:avLst/>
+          </a:prstGeom>
+          <a:solidFill>
+            <a:schemeClr val="tx1"/>
+          </a:solidFill>
+          <a:ln>
+            <a:noFill/>
+          </a:ln>
+        </p:spPr>
+        <p:style>
+          <a:lnRef idx="2">
+            <a:schemeClr val="accent1">
+              <a:shade val="50000"/>
+            </a:schemeClr>
+          </a:lnRef>
+          <a:fillRef idx="1">
+            <a:schemeClr val="accent1"/>
+          </a:fillRef>
+          <a:effectRef idx="0">
+            <a:schemeClr val="accent1"/>
+          </a:effectRef>
+          <a:fontRef idx="minor">
+            <a:schemeClr val="lt1"/>
+          </a:fontRef>
+        </p:style>
+        <p:txBody>
+          <a:bodyPr rtlCol="0" anchor="ctr"/>
+          <a:lstStyle/>
+          <a:p>
+            <a:pPr algn="ctr"/>
+            <a:endParaRPr kumimoji="1" lang="ja-JP" altLang="en-US"/>
+          </a:p>
+        </p:txBody>
+      </p:sp>
+      <p:cxnSp>
+        <p:nvCxnSpPr>
+          <p:cNvPr id="73" name="直線矢印コネクタ 72"/>
+          <p:cNvCxnSpPr/>
+          <p:nvPr/>
+        </p:nvCxnSpPr>
+        <p:spPr>
+          <a:xfrm flipH="1" flipV="1">
+            <a:off x="5876826" y="4710612"/>
+            <a:ext cx="2" cy="312489"/>
+          </a:xfrm>
+          <a:prstGeom prst="straightConnector1">
+            <a:avLst/>
+          </a:prstGeom>
+          <a:ln w="47625">
+            <a:solidFill>
+              <a:schemeClr val="tx1"/>
+            </a:solidFill>
+            <a:tailEnd type="triangle"/>
+          </a:ln>
+        </p:spPr>
+        <p:style>
+          <a:lnRef idx="1">
+            <a:schemeClr val="accent1"/>
+          </a:lnRef>
+          <a:fillRef idx="0">
+            <a:schemeClr val="accent1"/>
+          </a:fillRef>
+          <a:effectRef idx="0">
+            <a:schemeClr val="accent1"/>
+          </a:effectRef>
+          <a:fontRef idx="minor">
+            <a:schemeClr val="tx1"/>
+          </a:fontRef>
+        </p:style>
+      </p:cxnSp>
+      <p:sp>
+        <p:nvSpPr>
+          <p:cNvPr id="74" name="円/楕円 73"/>
+          <p:cNvSpPr/>
+          <p:nvPr/>
+        </p:nvSpPr>
+        <p:spPr>
+          <a:xfrm>
+            <a:off x="5781907" y="5026092"/>
+            <a:ext cx="189839" cy="192861"/>
+          </a:xfrm>
+          <a:prstGeom prst="ellipse">
+            <a:avLst/>
+          </a:prstGeom>
+          <a:noFill/>
+          <a:ln w="25400">
+            <a:solidFill>
+              <a:schemeClr val="tx1"/>
+            </a:solidFill>
+          </a:ln>
+        </p:spPr>
+        <p:style>
+          <a:lnRef idx="2">
+            <a:schemeClr val="accent1">
+              <a:shade val="50000"/>
+            </a:schemeClr>
+          </a:lnRef>
+          <a:fillRef idx="1">
+            <a:schemeClr val="accent1"/>
+          </a:fillRef>
+          <a:effectRef idx="0">
+            <a:schemeClr val="accent1"/>
+          </a:effectRef>
+          <a:fontRef idx="minor">
+            <a:schemeClr val="lt1"/>
+          </a:fontRef>
+        </p:style>
+        <p:txBody>
+          <a:bodyPr rtlCol="0" anchor="ctr"/>
+          <a:lstStyle/>
+          <a:p>
+            <a:pPr algn="ctr"/>
+            <a:endParaRPr kumimoji="1" lang="ja-JP" altLang="en-US"/>
+          </a:p>
+        </p:txBody>
+      </p:sp>
+      <p:cxnSp>
+        <p:nvCxnSpPr>
+          <p:cNvPr id="75" name="直線矢印コネクタ 74"/>
+          <p:cNvCxnSpPr>
+            <a:stCxn id="74" idx="6"/>
+          </p:cNvCxnSpPr>
+          <p:nvPr/>
+        </p:nvCxnSpPr>
+        <p:spPr>
+          <a:xfrm flipV="1">
+            <a:off x="5971746" y="5122522"/>
+            <a:ext cx="284413" cy="1"/>
+          </a:xfrm>
+          <a:prstGeom prst="straightConnector1">
+            <a:avLst/>
+          </a:prstGeom>
+          <a:ln w="47625">
+            <a:solidFill>
+              <a:schemeClr val="tx1"/>
+            </a:solidFill>
+            <a:tailEnd type="triangle"/>
+          </a:ln>
+        </p:spPr>
+        <p:style>
+          <a:lnRef idx="1">
+            <a:schemeClr val="accent1"/>
+          </a:lnRef>
+          <a:fillRef idx="0">
+            <a:schemeClr val="accent1"/>
+          </a:fillRef>
+          <a:effectRef idx="0">
+            <a:schemeClr val="accent1"/>
+          </a:effectRef>
+          <a:fontRef idx="minor">
+            <a:schemeClr val="tx1"/>
+          </a:fontRef>
+        </p:style>
+      </p:cxnSp>
+      <p:sp>
+        <p:nvSpPr>
+          <p:cNvPr id="76" name="円/楕円 75"/>
+          <p:cNvSpPr/>
+          <p:nvPr/>
+        </p:nvSpPr>
+        <p:spPr>
+          <a:xfrm>
+            <a:off x="5853966" y="5094116"/>
+            <a:ext cx="45719" cy="45719"/>
+          </a:xfrm>
+          <a:prstGeom prst="ellipse">
+            <a:avLst/>
+          </a:prstGeom>
+          <a:solidFill>
+            <a:schemeClr val="tx1"/>
+          </a:solidFill>
+          <a:ln>
+            <a:noFill/>
+          </a:ln>
+        </p:spPr>
+        <p:style>
+          <a:lnRef idx="2">
+            <a:schemeClr val="accent1">
+              <a:shade val="50000"/>
+            </a:schemeClr>
+          </a:lnRef>
+          <a:fillRef idx="1">
+            <a:schemeClr val="accent1"/>
+          </a:fillRef>
+          <a:effectRef idx="0">
+            <a:schemeClr val="accent1"/>
+          </a:effectRef>
+          <a:fontRef idx="minor">
+            <a:schemeClr val="lt1"/>
+          </a:fontRef>
+        </p:style>
+        <p:txBody>
+          <a:bodyPr rtlCol="0" anchor="ctr"/>
+          <a:lstStyle/>
+          <a:p>
+            <a:pPr algn="ctr"/>
+            <a:endParaRPr kumimoji="1" lang="ja-JP" altLang="en-US"/>
+          </a:p>
+        </p:txBody>
+      </p:sp>
+      <p:grpSp>
+        <p:nvGrpSpPr>
+          <p:cNvPr id="77" name="グループ化 76"/>
+          <p:cNvGrpSpPr/>
+          <p:nvPr/>
+        </p:nvGrpSpPr>
+        <p:grpSpPr>
+          <a:xfrm>
+            <a:off x="5180143" y="3258257"/>
+            <a:ext cx="872995" cy="855769"/>
+            <a:chOff x="5180143" y="3258257"/>
+            <a:chExt cx="872995" cy="855769"/>
+          </a:xfrm>
+        </p:grpSpPr>
+        <p:sp>
+          <p:nvSpPr>
+            <p:cNvPr id="78" name="台形 77"/>
+            <p:cNvSpPr/>
+            <p:nvPr/>
+          </p:nvSpPr>
+          <p:spPr>
+            <a:xfrm>
+              <a:off x="5181002" y="3465096"/>
+              <a:ext cx="872136" cy="420047"/>
+            </a:xfrm>
+            <a:prstGeom prst="trapezoid">
+              <a:avLst/>
+            </a:prstGeom>
+            <a:solidFill>
+              <a:srgbClr val="00B050"/>
+            </a:solidFill>
+            <a:ln>
+              <a:noFill/>
+            </a:ln>
+          </p:spPr>
+          <p:style>
+            <a:lnRef idx="2">
+              <a:schemeClr val="accent1">
+                <a:shade val="50000"/>
+              </a:schemeClr>
+            </a:lnRef>
+            <a:fillRef idx="1">
+              <a:schemeClr val="accent1"/>
+            </a:fillRef>
+            <a:effectRef idx="0">
+              <a:schemeClr val="accent1"/>
+            </a:effectRef>
+            <a:fontRef idx="minor">
+              <a:schemeClr val="lt1"/>
+            </a:fontRef>
+          </p:style>
+          <p:txBody>
+            <a:bodyPr rtlCol="0" anchor="ctr"/>
+            <a:lstStyle/>
+            <a:p>
+              <a:pPr algn="ctr"/>
+              <a:endParaRPr kumimoji="1" lang="ja-JP" altLang="en-US"/>
+            </a:p>
+          </p:txBody>
+        </p:sp>
+        <p:sp>
+          <p:nvSpPr>
+            <p:cNvPr id="79" name="正方形/長方形 78"/>
+            <p:cNvSpPr/>
+            <p:nvPr/>
+          </p:nvSpPr>
+          <p:spPr>
+            <a:xfrm>
+              <a:off x="5180143" y="3873481"/>
+              <a:ext cx="872995" cy="240545"/>
+            </a:xfrm>
+            <a:prstGeom prst="rect">
+              <a:avLst/>
+            </a:prstGeom>
+            <a:solidFill>
+              <a:srgbClr val="00B050"/>
+            </a:solidFill>
+            <a:ln>
+              <a:noFill/>
+            </a:ln>
+          </p:spPr>
+          <p:style>
+            <a:lnRef idx="2">
+              <a:schemeClr val="accent1">
+                <a:shade val="50000"/>
+              </a:schemeClr>
+            </a:lnRef>
+            <a:fillRef idx="1">
+              <a:schemeClr val="accent1"/>
+            </a:fillRef>
+            <a:effectRef idx="0">
+              <a:schemeClr val="accent1"/>
+            </a:effectRef>
+            <a:fontRef idx="minor">
+              <a:schemeClr val="lt1"/>
+            </a:fontRef>
+          </p:style>
+          <p:txBody>
+            <a:bodyPr rtlCol="0" anchor="ctr"/>
+            <a:lstStyle/>
+            <a:p>
+              <a:pPr algn="ctr"/>
+              <a:endParaRPr kumimoji="1" lang="ja-JP" altLang="en-US"/>
+            </a:p>
+          </p:txBody>
+        </p:sp>
+        <p:sp>
+          <p:nvSpPr>
+            <p:cNvPr id="80" name="正方形/長方形 79"/>
+            <p:cNvSpPr/>
+            <p:nvPr/>
+          </p:nvSpPr>
+          <p:spPr>
+            <a:xfrm>
+              <a:off x="5285811" y="3258257"/>
+              <a:ext cx="652187" cy="855769"/>
+            </a:xfrm>
+            <a:prstGeom prst="rect">
+              <a:avLst/>
+            </a:prstGeom>
+          </p:spPr>
+          <p:style>
+            <a:lnRef idx="2">
+              <a:schemeClr val="accent1">
+                <a:shade val="50000"/>
+              </a:schemeClr>
+            </a:lnRef>
+            <a:fillRef idx="1">
+              <a:schemeClr val="accent1"/>
+            </a:fillRef>
+            <a:effectRef idx="0">
+              <a:schemeClr val="accent1"/>
+            </a:effectRef>
+            <a:fontRef idx="minor">
+              <a:schemeClr val="lt1"/>
+            </a:fontRef>
+          </p:style>
+          <p:txBody>
+            <a:bodyPr rtlCol="0" anchor="ctr"/>
+            <a:lstStyle/>
+            <a:p>
+              <a:pPr algn="ctr"/>
+              <a:endParaRPr kumimoji="1" lang="ja-JP" altLang="en-US"/>
+            </a:p>
+          </p:txBody>
+        </p:sp>
       </p:grpSp>
     </p:spTree>
     <p:extLst>
